--- a/notes9-paraverifier.pptx
+++ b/notes9-paraverifier.pptx
@@ -5,22 +5,24 @@
     <p:sldMasterId id="2147483648" r:id="rId1"/>
   </p:sldMasterIdLst>
   <p:notesMasterIdLst>
-    <p:notesMasterId r:id="rId13"/>
+    <p:notesMasterId r:id="rId15"/>
   </p:notesMasterIdLst>
   <p:handoutMasterIdLst>
-    <p:handoutMasterId r:id="rId14"/>
+    <p:handoutMasterId r:id="rId16"/>
   </p:handoutMasterIdLst>
   <p:sldIdLst>
     <p:sldId id="256" r:id="rId3"/>
     <p:sldId id="257" r:id="rId4"/>
-    <p:sldId id="259" r:id="rId5"/>
-    <p:sldId id="260" r:id="rId6"/>
-    <p:sldId id="261" r:id="rId7"/>
-    <p:sldId id="262" r:id="rId8"/>
-    <p:sldId id="265" r:id="rId9"/>
-    <p:sldId id="268" r:id="rId10"/>
-    <p:sldId id="263" r:id="rId11"/>
-    <p:sldId id="264" r:id="rId12"/>
+    <p:sldId id="271" r:id="rId5"/>
+    <p:sldId id="272" r:id="rId6"/>
+    <p:sldId id="273" r:id="rId7"/>
+    <p:sldId id="260" r:id="rId8"/>
+    <p:sldId id="261" r:id="rId9"/>
+    <p:sldId id="262" r:id="rId10"/>
+    <p:sldId id="265" r:id="rId11"/>
+    <p:sldId id="268" r:id="rId12"/>
+    <p:sldId id="263" r:id="rId13"/>
+    <p:sldId id="264" r:id="rId14"/>
   </p:sldIdLst>
   <p:sldSz cx="12192000" cy="6858000"/>
   <p:notesSz cx="7103745" cy="10234295"/>
@@ -148,7 +150,7 @@
         <p:nvSpPr>
           <p:cNvPr id="2" name="页眉占位符 1"/>
           <p:cNvSpPr>
-            <a:spLocks noGrp="true"/>
+            <a:spLocks noGrp="1"/>
           </p:cNvSpPr>
           <p:nvPr>
             <p:ph type="hdr" sz="quarter"/>
@@ -179,7 +181,7 @@
         <p:nvSpPr>
           <p:cNvPr id="3" name="日期占位符 2"/>
           <p:cNvSpPr>
-            <a:spLocks noGrp="true"/>
+            <a:spLocks noGrp="1"/>
           </p:cNvSpPr>
           <p:nvPr>
             <p:ph type="dt" sz="quarter" idx="1"/>
@@ -213,7 +215,7 @@
         <p:nvSpPr>
           <p:cNvPr id="4" name="页脚占位符 3"/>
           <p:cNvSpPr>
-            <a:spLocks noGrp="true"/>
+            <a:spLocks noGrp="1"/>
           </p:cNvSpPr>
           <p:nvPr>
             <p:ph type="ftr" sz="quarter" idx="2"/>
@@ -244,7 +246,7 @@
         <p:nvSpPr>
           <p:cNvPr id="5" name="灯片编号占位符 4"/>
           <p:cNvSpPr>
-            <a:spLocks noGrp="true"/>
+            <a:spLocks noGrp="1"/>
           </p:cNvSpPr>
           <p:nvPr>
             <p:ph type="sldNum" sz="quarter" idx="3"/>
@@ -306,7 +308,7 @@
         <p:nvSpPr>
           <p:cNvPr id="2" name="页眉占位符 1"/>
           <p:cNvSpPr>
-            <a:spLocks noGrp="true"/>
+            <a:spLocks noGrp="1"/>
           </p:cNvSpPr>
           <p:nvPr>
             <p:ph type="hdr" sz="quarter"/>
@@ -337,7 +339,7 @@
         <p:nvSpPr>
           <p:cNvPr id="3" name="日期占位符 2"/>
           <p:cNvSpPr>
-            <a:spLocks noGrp="true"/>
+            <a:spLocks noGrp="1"/>
           </p:cNvSpPr>
           <p:nvPr>
             <p:ph type="dt" idx="1"/>
@@ -371,7 +373,7 @@
         <p:nvSpPr>
           <p:cNvPr id="4" name="幻灯片图像占位符 3"/>
           <p:cNvSpPr>
-            <a:spLocks noGrp="true" noRot="true" noChangeAspect="true"/>
+            <a:spLocks noGrp="1" noRot="1" noChangeAspect="1"/>
           </p:cNvSpPr>
           <p:nvPr>
             <p:ph type="sldImg" idx="2"/>
@@ -404,7 +406,7 @@
         <p:nvSpPr>
           <p:cNvPr id="5" name="备注占位符 4"/>
           <p:cNvSpPr>
-            <a:spLocks noGrp="true"/>
+            <a:spLocks noGrp="1"/>
           </p:cNvSpPr>
           <p:nvPr>
             <p:ph type="body" sz="quarter" idx="3"/>
@@ -468,7 +470,7 @@
         <p:nvSpPr>
           <p:cNvPr id="6" name="页脚占位符 5"/>
           <p:cNvSpPr>
-            <a:spLocks noGrp="true"/>
+            <a:spLocks noGrp="1"/>
           </p:cNvSpPr>
           <p:nvPr>
             <p:ph type="ftr" sz="quarter" idx="4"/>
@@ -499,7 +501,7 @@
         <p:nvSpPr>
           <p:cNvPr id="7" name="灯片编号占位符 6"/>
           <p:cNvSpPr>
-            <a:spLocks noGrp="true"/>
+            <a:spLocks noGrp="1"/>
           </p:cNvSpPr>
           <p:nvPr>
             <p:ph type="sldNum" sz="quarter" idx="5"/>
@@ -648,7 +650,7 @@
         <p:nvSpPr>
           <p:cNvPr id="2" name="标题 1"/>
           <p:cNvSpPr>
-            <a:spLocks noGrp="true"/>
+            <a:spLocks noGrp="1"/>
           </p:cNvSpPr>
           <p:nvPr>
             <p:ph type="ctrTitle"/>
@@ -697,7 +699,7 @@
         <p:nvSpPr>
           <p:cNvPr id="4" name="日期占位符 3"/>
           <p:cNvSpPr>
-            <a:spLocks noGrp="true"/>
+            <a:spLocks noGrp="1"/>
           </p:cNvSpPr>
           <p:nvPr>
             <p:ph type="dt" sz="half" idx="10"/>
@@ -719,7 +721,7 @@
         <p:nvSpPr>
           <p:cNvPr id="5" name="页脚占位符 4"/>
           <p:cNvSpPr>
-            <a:spLocks noGrp="true"/>
+            <a:spLocks noGrp="1"/>
           </p:cNvSpPr>
           <p:nvPr>
             <p:ph type="ftr" sz="quarter" idx="11"/>
@@ -738,7 +740,7 @@
         <p:nvSpPr>
           <p:cNvPr id="6" name="灯片编号占位符 5"/>
           <p:cNvSpPr>
-            <a:spLocks noGrp="true"/>
+            <a:spLocks noGrp="1"/>
           </p:cNvSpPr>
           <p:nvPr>
             <p:ph type="sldNum" sz="quarter" idx="12"/>
@@ -760,7 +762,7 @@
         <p:nvSpPr>
           <p:cNvPr id="3" name="副标题 2"/>
           <p:cNvSpPr>
-            <a:spLocks noGrp="true"/>
+            <a:spLocks noGrp="1"/>
           </p:cNvSpPr>
           <p:nvPr>
             <p:ph type="subTitle" idx="1"/>
@@ -862,7 +864,7 @@
         <p:nvSpPr>
           <p:cNvPr id="3" name="日期占位符 2"/>
           <p:cNvSpPr>
-            <a:spLocks noGrp="true"/>
+            <a:spLocks noGrp="1"/>
           </p:cNvSpPr>
           <p:nvPr>
             <p:ph type="dt" sz="half" idx="10"/>
@@ -884,7 +886,7 @@
         <p:nvSpPr>
           <p:cNvPr id="4" name="页脚占位符 3"/>
           <p:cNvSpPr>
-            <a:spLocks noGrp="true"/>
+            <a:spLocks noGrp="1"/>
           </p:cNvSpPr>
           <p:nvPr>
             <p:ph type="ftr" sz="quarter" idx="11"/>
@@ -903,7 +905,7 @@
         <p:nvSpPr>
           <p:cNvPr id="5" name="灯片编号占位符 4"/>
           <p:cNvSpPr>
-            <a:spLocks noGrp="true"/>
+            <a:spLocks noGrp="1"/>
           </p:cNvSpPr>
           <p:nvPr>
             <p:ph type="sldNum" sz="quarter" idx="12"/>
@@ -925,7 +927,7 @@
         <p:nvSpPr>
           <p:cNvPr id="7" name="内容占位符 6"/>
           <p:cNvSpPr>
-            <a:spLocks noGrp="true"/>
+            <a:spLocks noGrp="1"/>
           </p:cNvSpPr>
           <p:nvPr>
             <p:ph sz="quarter" idx="13"/>
@@ -1015,7 +1017,7 @@
         <p:nvSpPr>
           <p:cNvPr id="2" name="标题 1"/>
           <p:cNvSpPr>
-            <a:spLocks noGrp="true"/>
+            <a:spLocks noGrp="1"/>
           </p:cNvSpPr>
           <p:nvPr>
             <p:ph type="title"/>
@@ -1028,7 +1030,7 @@
           </a:xfrm>
         </p:spPr>
         <p:txBody>
-          <a:bodyPr anchor="ctr" anchorCtr="false">
+          <a:bodyPr anchor="ctr" anchorCtr="0">
             <a:normAutofit/>
           </a:bodyPr>
           <a:lstStyle>
@@ -1057,7 +1059,7 @@
         <p:nvSpPr>
           <p:cNvPr id="3" name="内容占位符 2"/>
           <p:cNvSpPr>
-            <a:spLocks noGrp="true"/>
+            <a:spLocks noGrp="1"/>
           </p:cNvSpPr>
           <p:nvPr>
             <p:ph idx="1"/>
@@ -1175,7 +1177,7 @@
         <p:nvSpPr>
           <p:cNvPr id="4" name="日期占位符 3"/>
           <p:cNvSpPr>
-            <a:spLocks noGrp="true"/>
+            <a:spLocks noGrp="1"/>
           </p:cNvSpPr>
           <p:nvPr>
             <p:ph type="dt" sz="half" idx="10"/>
@@ -1197,7 +1199,7 @@
         <p:nvSpPr>
           <p:cNvPr id="5" name="页脚占位符 4"/>
           <p:cNvSpPr>
-            <a:spLocks noGrp="true"/>
+            <a:spLocks noGrp="1"/>
           </p:cNvSpPr>
           <p:nvPr>
             <p:ph type="ftr" sz="quarter" idx="11"/>
@@ -1216,7 +1218,7 @@
         <p:nvSpPr>
           <p:cNvPr id="6" name="灯片编号占位符 5"/>
           <p:cNvSpPr>
-            <a:spLocks noGrp="true"/>
+            <a:spLocks noGrp="1"/>
           </p:cNvSpPr>
           <p:nvPr>
             <p:ph type="sldNum" sz="quarter" idx="12"/>
@@ -1263,7 +1265,7 @@
         <p:nvSpPr>
           <p:cNvPr id="2" name="标题 1"/>
           <p:cNvSpPr>
-            <a:spLocks noGrp="true"/>
+            <a:spLocks noGrp="1"/>
           </p:cNvSpPr>
           <p:nvPr>
             <p:ph type="title"/>
@@ -1305,7 +1307,7 @@
         <p:nvSpPr>
           <p:cNvPr id="3" name="文本占位符 2"/>
           <p:cNvSpPr>
-            <a:spLocks noGrp="true"/>
+            <a:spLocks noGrp="1"/>
           </p:cNvSpPr>
           <p:nvPr>
             <p:ph type="body" idx="1"/>
@@ -1429,7 +1431,7 @@
         <p:nvSpPr>
           <p:cNvPr id="4" name="日期占位符 3"/>
           <p:cNvSpPr>
-            <a:spLocks noGrp="true"/>
+            <a:spLocks noGrp="1"/>
           </p:cNvSpPr>
           <p:nvPr>
             <p:ph type="dt" sz="half" idx="10"/>
@@ -1451,7 +1453,7 @@
         <p:nvSpPr>
           <p:cNvPr id="5" name="页脚占位符 4"/>
           <p:cNvSpPr>
-            <a:spLocks noGrp="true"/>
+            <a:spLocks noGrp="1"/>
           </p:cNvSpPr>
           <p:nvPr>
             <p:ph type="ftr" sz="quarter" idx="11"/>
@@ -1470,7 +1472,7 @@
         <p:nvSpPr>
           <p:cNvPr id="6" name="灯片编号占位符 5"/>
           <p:cNvSpPr>
-            <a:spLocks noGrp="true"/>
+            <a:spLocks noGrp="1"/>
           </p:cNvSpPr>
           <p:nvPr>
             <p:ph type="sldNum" sz="quarter" idx="12"/>
@@ -1517,7 +1519,7 @@
         <p:nvSpPr>
           <p:cNvPr id="2" name="标题 1"/>
           <p:cNvSpPr>
-            <a:spLocks noGrp="true"/>
+            <a:spLocks noGrp="1"/>
           </p:cNvSpPr>
           <p:nvPr>
             <p:ph type="title"/>
@@ -1559,7 +1561,7 @@
         <p:nvSpPr>
           <p:cNvPr id="3" name="内容占位符 2"/>
           <p:cNvSpPr>
-            <a:spLocks noGrp="true"/>
+            <a:spLocks noGrp="1"/>
           </p:cNvSpPr>
           <p:nvPr>
             <p:ph sz="half" idx="1"/>
@@ -1692,7 +1694,7 @@
         <p:nvSpPr>
           <p:cNvPr id="4" name="内容占位符 3"/>
           <p:cNvSpPr>
-            <a:spLocks noGrp="true"/>
+            <a:spLocks noGrp="1"/>
           </p:cNvSpPr>
           <p:nvPr>
             <p:ph sz="half" idx="2"/>
@@ -1825,7 +1827,7 @@
         <p:nvSpPr>
           <p:cNvPr id="5" name="日期占位符 4"/>
           <p:cNvSpPr>
-            <a:spLocks noGrp="true"/>
+            <a:spLocks noGrp="1"/>
           </p:cNvSpPr>
           <p:nvPr>
             <p:ph type="dt" sz="half" idx="10"/>
@@ -1847,7 +1849,7 @@
         <p:nvSpPr>
           <p:cNvPr id="6" name="页脚占位符 5"/>
           <p:cNvSpPr>
-            <a:spLocks noGrp="true"/>
+            <a:spLocks noGrp="1"/>
           </p:cNvSpPr>
           <p:nvPr>
             <p:ph type="ftr" sz="quarter" idx="11"/>
@@ -1866,7 +1868,7 @@
         <p:nvSpPr>
           <p:cNvPr id="7" name="灯片编号占位符 6"/>
           <p:cNvSpPr>
-            <a:spLocks noGrp="true"/>
+            <a:spLocks noGrp="1"/>
           </p:cNvSpPr>
           <p:nvPr>
             <p:ph type="sldNum" sz="quarter" idx="12"/>
@@ -1913,7 +1915,7 @@
         <p:nvSpPr>
           <p:cNvPr id="2" name="标题 1"/>
           <p:cNvSpPr>
-            <a:spLocks noGrp="true"/>
+            <a:spLocks noGrp="1"/>
           </p:cNvSpPr>
           <p:nvPr>
             <p:ph type="title"/>
@@ -1941,7 +1943,7 @@
         <p:nvSpPr>
           <p:cNvPr id="3" name="文本占位符 2"/>
           <p:cNvSpPr>
-            <a:spLocks noGrp="true"/>
+            <a:spLocks noGrp="1"/>
           </p:cNvSpPr>
           <p:nvPr>
             <p:ph type="body" idx="1"/>
@@ -2011,7 +2013,7 @@
         <p:nvSpPr>
           <p:cNvPr id="4" name="内容占位符 3"/>
           <p:cNvSpPr>
-            <a:spLocks noGrp="true"/>
+            <a:spLocks noGrp="1"/>
           </p:cNvSpPr>
           <p:nvPr>
             <p:ph sz="half" idx="2"/>
@@ -2076,7 +2078,7 @@
         <p:nvSpPr>
           <p:cNvPr id="5" name="文本占位符 4"/>
           <p:cNvSpPr>
-            <a:spLocks noGrp="true"/>
+            <a:spLocks noGrp="1"/>
           </p:cNvSpPr>
           <p:nvPr>
             <p:ph type="body" sz="quarter" idx="3"/>
@@ -2146,7 +2148,7 @@
         <p:nvSpPr>
           <p:cNvPr id="6" name="内容占位符 5"/>
           <p:cNvSpPr>
-            <a:spLocks noGrp="true"/>
+            <a:spLocks noGrp="1"/>
           </p:cNvSpPr>
           <p:nvPr>
             <p:ph sz="quarter" idx="4"/>
@@ -2211,7 +2213,7 @@
         <p:nvSpPr>
           <p:cNvPr id="7" name="日期占位符 6"/>
           <p:cNvSpPr>
-            <a:spLocks noGrp="true"/>
+            <a:spLocks noGrp="1"/>
           </p:cNvSpPr>
           <p:nvPr>
             <p:ph type="dt" sz="half" idx="10"/>
@@ -2233,7 +2235,7 @@
         <p:nvSpPr>
           <p:cNvPr id="8" name="页脚占位符 7"/>
           <p:cNvSpPr>
-            <a:spLocks noGrp="true"/>
+            <a:spLocks noGrp="1"/>
           </p:cNvSpPr>
           <p:nvPr>
             <p:ph type="ftr" sz="quarter" idx="11"/>
@@ -2252,7 +2254,7 @@
         <p:nvSpPr>
           <p:cNvPr id="9" name="灯片编号占位符 8"/>
           <p:cNvSpPr>
-            <a:spLocks noGrp="true"/>
+            <a:spLocks noGrp="1"/>
           </p:cNvSpPr>
           <p:nvPr>
             <p:ph type="sldNum" sz="quarter" idx="12"/>
@@ -2299,7 +2301,7 @@
         <p:nvSpPr>
           <p:cNvPr id="2" name="标题 1"/>
           <p:cNvSpPr>
-            <a:spLocks noGrp="true"/>
+            <a:spLocks noGrp="1"/>
           </p:cNvSpPr>
           <p:nvPr>
             <p:ph type="title"/>
@@ -2341,7 +2343,7 @@
         <p:nvSpPr>
           <p:cNvPr id="3" name="日期占位符 2"/>
           <p:cNvSpPr>
-            <a:spLocks noGrp="true"/>
+            <a:spLocks noGrp="1"/>
           </p:cNvSpPr>
           <p:nvPr>
             <p:ph type="dt" sz="half" idx="10"/>
@@ -2363,7 +2365,7 @@
         <p:nvSpPr>
           <p:cNvPr id="4" name="页脚占位符 3"/>
           <p:cNvSpPr>
-            <a:spLocks noGrp="true"/>
+            <a:spLocks noGrp="1"/>
           </p:cNvSpPr>
           <p:nvPr>
             <p:ph type="ftr" sz="quarter" idx="11"/>
@@ -2382,7 +2384,7 @@
         <p:nvSpPr>
           <p:cNvPr id="5" name="灯片编号占位符 4"/>
           <p:cNvSpPr>
-            <a:spLocks noGrp="true"/>
+            <a:spLocks noGrp="1"/>
           </p:cNvSpPr>
           <p:nvPr>
             <p:ph type="sldNum" sz="quarter" idx="12"/>
@@ -2429,7 +2431,7 @@
         <p:nvSpPr>
           <p:cNvPr id="2" name="日期占位符 1"/>
           <p:cNvSpPr>
-            <a:spLocks noGrp="true"/>
+            <a:spLocks noGrp="1"/>
           </p:cNvSpPr>
           <p:nvPr>
             <p:ph type="dt" sz="half" idx="10"/>
@@ -2451,7 +2453,7 @@
         <p:nvSpPr>
           <p:cNvPr id="3" name="页脚占位符 2"/>
           <p:cNvSpPr>
-            <a:spLocks noGrp="true"/>
+            <a:spLocks noGrp="1"/>
           </p:cNvSpPr>
           <p:nvPr>
             <p:ph type="ftr" sz="quarter" idx="11"/>
@@ -2470,7 +2472,7 @@
         <p:nvSpPr>
           <p:cNvPr id="4" name="灯片编号占位符 3"/>
           <p:cNvSpPr>
-            <a:spLocks noGrp="true"/>
+            <a:spLocks noGrp="1"/>
           </p:cNvSpPr>
           <p:nvPr>
             <p:ph type="sldNum" sz="quarter" idx="12"/>
@@ -2517,7 +2519,7 @@
         <p:nvSpPr>
           <p:cNvPr id="2" name="标题 1"/>
           <p:cNvSpPr>
-            <a:spLocks noGrp="true"/>
+            <a:spLocks noGrp="1"/>
           </p:cNvSpPr>
           <p:nvPr>
             <p:ph type="title"/>
@@ -2530,7 +2532,7 @@
           </a:xfrm>
         </p:spPr>
         <p:txBody>
-          <a:bodyPr anchor="ctr" anchorCtr="false">
+          <a:bodyPr anchor="ctr" anchorCtr="0">
             <a:normAutofit/>
           </a:bodyPr>
           <a:lstStyle>
@@ -2563,7 +2565,7 @@
         <p:nvSpPr>
           <p:cNvPr id="3" name="图片占位符 2"/>
           <p:cNvSpPr>
-            <a:spLocks noGrp="true" noChangeAspect="true"/>
+            <a:spLocks noGrp="1" noChangeAspect="1"/>
           </p:cNvSpPr>
           <p:nvPr>
             <p:ph type="pic" idx="1"/>
@@ -2624,7 +2626,7 @@
         <p:nvSpPr>
           <p:cNvPr id="4" name="文本占位符 3"/>
           <p:cNvSpPr>
-            <a:spLocks noGrp="true"/>
+            <a:spLocks noGrp="1"/>
           </p:cNvSpPr>
           <p:nvPr>
             <p:ph type="body" sz="half" idx="2"/>
@@ -2695,7 +2697,7 @@
         <p:nvSpPr>
           <p:cNvPr id="5" name="日期占位符 4"/>
           <p:cNvSpPr>
-            <a:spLocks noGrp="true"/>
+            <a:spLocks noGrp="1"/>
           </p:cNvSpPr>
           <p:nvPr>
             <p:ph type="dt" sz="half" idx="10"/>
@@ -2717,7 +2719,7 @@
         <p:nvSpPr>
           <p:cNvPr id="6" name="页脚占位符 5"/>
           <p:cNvSpPr>
-            <a:spLocks noGrp="true"/>
+            <a:spLocks noGrp="1"/>
           </p:cNvSpPr>
           <p:nvPr>
             <p:ph type="ftr" sz="quarter" idx="11"/>
@@ -2736,7 +2738,7 @@
         <p:nvSpPr>
           <p:cNvPr id="7" name="灯片编号占位符 6"/>
           <p:cNvSpPr>
-            <a:spLocks noGrp="true"/>
+            <a:spLocks noGrp="1"/>
           </p:cNvSpPr>
           <p:nvPr>
             <p:ph type="sldNum" sz="quarter" idx="12"/>
@@ -2756,9 +2758,9 @@
       </p:sp>
       <p:cxnSp>
         <p:nvCxnSpPr>
-          <p:cNvPr id="8" name="直接连接符 7" hidden="true"/>
+          <p:cNvPr id="8" name="直接连接符 7" hidden="1"/>
           <p:cNvCxnSpPr/>
-          <p:nvPr userDrawn="true"/>
+          <p:nvPr userDrawn="1"/>
         </p:nvCxnSpPr>
         <p:spPr>
           <a:xfrm>
@@ -2813,7 +2815,7 @@
         <p:nvSpPr>
           <p:cNvPr id="2" name="竖排标题 1"/>
           <p:cNvSpPr>
-            <a:spLocks noGrp="true"/>
+            <a:spLocks noGrp="1"/>
           </p:cNvSpPr>
           <p:nvPr>
             <p:ph type="title" orient="vert"/>
@@ -2847,7 +2849,7 @@
         <p:nvSpPr>
           <p:cNvPr id="3" name="竖排文字占位符 2"/>
           <p:cNvSpPr>
-            <a:spLocks noGrp="true"/>
+            <a:spLocks noGrp="1"/>
           </p:cNvSpPr>
           <p:nvPr>
             <p:ph type="body" orient="vert" idx="1"/>
@@ -2912,7 +2914,7 @@
         <p:nvSpPr>
           <p:cNvPr id="4" name="日期占位符 3"/>
           <p:cNvSpPr>
-            <a:spLocks noGrp="true"/>
+            <a:spLocks noGrp="1"/>
           </p:cNvSpPr>
           <p:nvPr>
             <p:ph type="dt" sz="half" idx="10"/>
@@ -2934,7 +2936,7 @@
         <p:nvSpPr>
           <p:cNvPr id="5" name="页脚占位符 4"/>
           <p:cNvSpPr>
-            <a:spLocks noGrp="true"/>
+            <a:spLocks noGrp="1"/>
           </p:cNvSpPr>
           <p:nvPr>
             <p:ph type="ftr" sz="quarter" idx="11"/>
@@ -2953,7 +2955,7 @@
         <p:nvSpPr>
           <p:cNvPr id="6" name="灯片编号占位符 5"/>
           <p:cNvSpPr>
-            <a:spLocks noGrp="true"/>
+            <a:spLocks noGrp="1"/>
           </p:cNvSpPr>
           <p:nvPr>
             <p:ph type="sldNum" sz="quarter" idx="12"/>
@@ -3008,7 +3010,7 @@
         <p:nvSpPr>
           <p:cNvPr id="2" name="标题占位符 1"/>
           <p:cNvSpPr>
-            <a:spLocks noGrp="true"/>
+            <a:spLocks noGrp="1"/>
           </p:cNvSpPr>
           <p:nvPr>
             <p:ph type="title"/>
@@ -3041,7 +3043,7 @@
         <p:nvSpPr>
           <p:cNvPr id="3" name="文本占位符 2"/>
           <p:cNvSpPr>
-            <a:spLocks noGrp="true"/>
+            <a:spLocks noGrp="1"/>
           </p:cNvSpPr>
           <p:nvPr>
             <p:ph type="body" idx="1"/>
@@ -3111,7 +3113,7 @@
         <p:nvSpPr>
           <p:cNvPr id="4" name="日期占位符 3"/>
           <p:cNvSpPr>
-            <a:spLocks noGrp="true"/>
+            <a:spLocks noGrp="1"/>
           </p:cNvSpPr>
           <p:nvPr>
             <p:ph type="dt" sz="half" idx="2"/>
@@ -3153,7 +3155,7 @@
         <p:nvSpPr>
           <p:cNvPr id="5" name="页脚占位符 4"/>
           <p:cNvSpPr>
-            <a:spLocks noGrp="true"/>
+            <a:spLocks noGrp="1"/>
           </p:cNvSpPr>
           <p:nvPr>
             <p:ph type="ftr" sz="quarter" idx="3"/>
@@ -3192,7 +3194,7 @@
         <p:nvSpPr>
           <p:cNvPr id="6" name="灯片编号占位符 5"/>
           <p:cNvSpPr>
-            <a:spLocks noGrp="true"/>
+            <a:spLocks noGrp="1"/>
           </p:cNvSpPr>
           <p:nvPr>
             <p:ph type="sldNum" sz="quarter" idx="4"/>
@@ -3273,7 +3275,7 @@
         <a:spcBef>
           <a:spcPts val="1000"/>
         </a:spcBef>
-        <a:buFont typeface="Arial" panose="02080604020202020204" pitchFamily="34" charset="0"/>
+        <a:buFont typeface="Arial" panose="020B0604020202020204" pitchFamily="34" charset="0"/>
         <a:buChar char="•"/>
         <a:defRPr sz="2400" kern="1200">
           <a:solidFill>
@@ -3291,7 +3293,7 @@
         <a:spcBef>
           <a:spcPts val="500"/>
         </a:spcBef>
-        <a:buFont typeface="Arial" panose="02080604020202020204" pitchFamily="34" charset="0"/>
+        <a:buFont typeface="Arial" panose="020B0604020202020204" pitchFamily="34" charset="0"/>
         <a:buChar char="•"/>
         <a:defRPr sz="2000" kern="1200">
           <a:solidFill>
@@ -3309,7 +3311,7 @@
         <a:spcBef>
           <a:spcPts val="500"/>
         </a:spcBef>
-        <a:buFont typeface="Arial" panose="02080604020202020204" pitchFamily="34" charset="0"/>
+        <a:buFont typeface="Arial" panose="020B0604020202020204" pitchFamily="34" charset="0"/>
         <a:buChar char="•"/>
         <a:defRPr sz="1800" kern="1200">
           <a:solidFill>
@@ -3327,7 +3329,7 @@
         <a:spcBef>
           <a:spcPts val="500"/>
         </a:spcBef>
-        <a:buFont typeface="Arial" panose="02080604020202020204" pitchFamily="34" charset="0"/>
+        <a:buFont typeface="Arial" panose="020B0604020202020204" pitchFamily="34" charset="0"/>
         <a:buChar char="•"/>
         <a:defRPr sz="1800" kern="1200">
           <a:solidFill>
@@ -3345,7 +3347,7 @@
         <a:spcBef>
           <a:spcPts val="500"/>
         </a:spcBef>
-        <a:buFont typeface="Arial" panose="02080604020202020204" pitchFamily="34" charset="0"/>
+        <a:buFont typeface="Arial" panose="020B0604020202020204" pitchFamily="34" charset="0"/>
         <a:buChar char="•"/>
         <a:defRPr sz="1800" kern="1200">
           <a:solidFill>
@@ -3363,7 +3365,7 @@
         <a:spcBef>
           <a:spcPts val="500"/>
         </a:spcBef>
-        <a:buFont typeface="Arial" panose="02080604020202020204" pitchFamily="34" charset="0"/>
+        <a:buFont typeface="Arial" panose="020B0604020202020204" pitchFamily="34" charset="0"/>
         <a:buChar char="•"/>
         <a:defRPr sz="1800" kern="1200">
           <a:solidFill>
@@ -3381,7 +3383,7 @@
         <a:spcBef>
           <a:spcPts val="500"/>
         </a:spcBef>
-        <a:buFont typeface="Arial" panose="02080604020202020204" pitchFamily="34" charset="0"/>
+        <a:buFont typeface="Arial" panose="020B0604020202020204" pitchFamily="34" charset="0"/>
         <a:buChar char="•"/>
         <a:defRPr sz="1800" kern="1200">
           <a:solidFill>
@@ -3399,7 +3401,7 @@
         <a:spcBef>
           <a:spcPts val="500"/>
         </a:spcBef>
-        <a:buFont typeface="Arial" panose="02080604020202020204" pitchFamily="34" charset="0"/>
+        <a:buFont typeface="Arial" panose="020B0604020202020204" pitchFamily="34" charset="0"/>
         <a:buChar char="•"/>
         <a:defRPr sz="1800" kern="1200">
           <a:solidFill>
@@ -3417,7 +3419,7 @@
         <a:spcBef>
           <a:spcPts val="500"/>
         </a:spcBef>
-        <a:buFont typeface="Arial" panose="02080604020202020204" pitchFamily="34" charset="0"/>
+        <a:buFont typeface="Arial" panose="020B0604020202020204" pitchFamily="34" charset="0"/>
         <a:buChar char="•"/>
         <a:defRPr sz="1800" kern="1200">
           <a:solidFill>
@@ -3542,7 +3544,7 @@
         <p:nvSpPr>
           <p:cNvPr id="2" name="Title 1"/>
           <p:cNvSpPr>
-            <a:spLocks noGrp="true"/>
+            <a:spLocks noGrp="1"/>
           </p:cNvSpPr>
           <p:nvPr>
             <p:ph type="ctrTitle"/>
@@ -3564,7 +3566,7 @@
         <p:nvSpPr>
           <p:cNvPr id="3" name="Subtitle 2"/>
           <p:cNvSpPr>
-            <a:spLocks noGrp="true"/>
+            <a:spLocks noGrp="1"/>
           </p:cNvSpPr>
           <p:nvPr>
             <p:ph type="subTitle" idx="1"/>
@@ -3600,7 +3602,204 @@
         <p:nvSpPr>
           <p:cNvPr id="2" name="Title 1"/>
           <p:cNvSpPr>
-            <a:spLocks noGrp="true"/>
+            <a:spLocks noGrp="1"/>
+          </p:cNvSpPr>
+          <p:nvPr>
+            <p:ph type="title"/>
+          </p:nvPr>
+        </p:nvSpPr>
+        <p:spPr/>
+        <p:txBody>
+          <a:bodyPr/>
+          <a:p>
+            <a:endParaRPr lang="en-US"/>
+          </a:p>
+        </p:txBody>
+      </p:sp>
+      <p:sp>
+        <p:nvSpPr>
+          <p:cNvPr id="3" name="Content Placeholder 2"/>
+          <p:cNvSpPr>
+            <a:spLocks noGrp="1"/>
+          </p:cNvSpPr>
+          <p:nvPr>
+            <p:ph idx="1"/>
+          </p:nvPr>
+        </p:nvSpPr>
+        <p:spPr/>
+        <p:txBody>
+          <a:bodyPr/>
+          <a:p>
+            <a:endParaRPr lang="en-US"/>
+          </a:p>
+        </p:txBody>
+      </p:sp>
+    </p:spTree>
+  </p:cSld>
+  <p:clrMapOvr>
+    <a:masterClrMapping/>
+  </p:clrMapOvr>
+</p:sld>
+</file>
+
+<file path=ppt/slides/slide11.xml><?xml version="1.0" encoding="utf-8"?>
+<p:sld xmlns:a="http://schemas.openxmlformats.org/drawingml/2006/main" xmlns:r="http://schemas.openxmlformats.org/officeDocument/2006/relationships" xmlns:p="http://schemas.openxmlformats.org/presentationml/2006/main">
+  <p:cSld>
+    <p:spTree>
+      <p:nvGrpSpPr>
+        <p:cNvPr id="1" name=""/>
+        <p:cNvGrpSpPr/>
+        <p:nvPr/>
+      </p:nvGrpSpPr>
+      <p:grpSpPr/>
+      <p:sp>
+        <p:nvSpPr>
+          <p:cNvPr id="2" name="Title 1"/>
+          <p:cNvSpPr>
+            <a:spLocks noGrp="1"/>
+          </p:cNvSpPr>
+          <p:nvPr>
+            <p:ph type="title"/>
+          </p:nvPr>
+        </p:nvSpPr>
+        <p:spPr/>
+        <p:txBody>
+          <a:bodyPr/>
+          <a:p>
+            <a:r>
+              <a:rPr lang="en-US"/>
+              <a:t>Mutual-exclusion example</a:t>
+            </a:r>
+            <a:endParaRPr lang="en-US"/>
+          </a:p>
+        </p:txBody>
+      </p:sp>
+      <p:pic>
+        <p:nvPicPr>
+          <p:cNvPr id="4" name="Content Placeholder 3"/>
+          <p:cNvPicPr>
+            <a:picLocks noChangeAspect="1"/>
+          </p:cNvPicPr>
+          <p:nvPr>
+            <p:ph idx="1"/>
+          </p:nvPr>
+        </p:nvPicPr>
+        <p:blipFill>
+          <a:blip r:embed="rId1"/>
+          <a:stretch>
+            <a:fillRect/>
+          </a:stretch>
+        </p:blipFill>
+        <p:spPr>
+          <a:xfrm>
+            <a:off x="526415" y="1074420"/>
+            <a:ext cx="9705975" cy="2362200"/>
+          </a:xfrm>
+          <a:prstGeom prst="rect">
+            <a:avLst/>
+          </a:prstGeom>
+        </p:spPr>
+      </p:pic>
+      <p:pic>
+        <p:nvPicPr>
+          <p:cNvPr id="6" name="Picture 5"/>
+          <p:cNvPicPr>
+            <a:picLocks noChangeAspect="1"/>
+          </p:cNvPicPr>
+          <p:nvPr/>
+        </p:nvPicPr>
+        <p:blipFill>
+          <a:blip r:embed="rId2"/>
+          <a:stretch>
+            <a:fillRect/>
+          </a:stretch>
+        </p:blipFill>
+        <p:spPr>
+          <a:xfrm>
+            <a:off x="764540" y="3436620"/>
+            <a:ext cx="9467850" cy="552450"/>
+          </a:xfrm>
+          <a:prstGeom prst="rect">
+            <a:avLst/>
+          </a:prstGeom>
+        </p:spPr>
+      </p:pic>
+      <p:pic>
+        <p:nvPicPr>
+          <p:cNvPr id="7" name="Picture 6"/>
+          <p:cNvPicPr>
+            <a:picLocks noChangeAspect="1"/>
+          </p:cNvPicPr>
+          <p:nvPr/>
+        </p:nvPicPr>
+        <p:blipFill>
+          <a:blip r:embed="rId3"/>
+          <a:stretch>
+            <a:fillRect/>
+          </a:stretch>
+        </p:blipFill>
+        <p:spPr>
+          <a:xfrm>
+            <a:off x="764540" y="4064000"/>
+            <a:ext cx="9410700" cy="1304925"/>
+          </a:xfrm>
+          <a:prstGeom prst="rect">
+            <a:avLst/>
+          </a:prstGeom>
+        </p:spPr>
+      </p:pic>
+      <p:sp>
+        <p:nvSpPr>
+          <p:cNvPr id="3" name="Text Box 2"/>
+          <p:cNvSpPr txBox="1"/>
+          <p:nvPr/>
+        </p:nvSpPr>
+        <p:spPr>
+          <a:xfrm>
+            <a:off x="825500" y="5699760"/>
+            <a:ext cx="7816850" cy="368300"/>
+          </a:xfrm>
+          <a:prstGeom prst="rect">
+            <a:avLst/>
+          </a:prstGeom>
+          <a:noFill/>
+        </p:spPr>
+        <p:txBody>
+          <a:bodyPr wrap="square" rtlCol="0">
+            <a:spAutoFit/>
+          </a:bodyPr>
+          <a:p>
+            <a:r>
+              <a:rPr lang="en-US" altLang="en-US"/>
+              <a:t>x=true means critical material is available</a:t>
+            </a:r>
+            <a:endParaRPr lang="en-US" altLang="en-US"/>
+          </a:p>
+        </p:txBody>
+      </p:sp>
+    </p:spTree>
+  </p:cSld>
+  <p:clrMapOvr>
+    <a:masterClrMapping/>
+  </p:clrMapOvr>
+</p:sld>
+</file>
+
+<file path=ppt/slides/slide12.xml><?xml version="1.0" encoding="utf-8"?>
+<p:sld xmlns:a="http://schemas.openxmlformats.org/drawingml/2006/main" xmlns:r="http://schemas.openxmlformats.org/officeDocument/2006/relationships" xmlns:p="http://schemas.openxmlformats.org/presentationml/2006/main">
+  <p:cSld>
+    <p:spTree>
+      <p:nvGrpSpPr>
+        <p:cNvPr id="1" name=""/>
+        <p:cNvGrpSpPr/>
+        <p:nvPr/>
+      </p:nvGrpSpPr>
+      <p:grpSpPr/>
+      <p:sp>
+        <p:nvSpPr>
+          <p:cNvPr id="2" name="Title 1"/>
+          <p:cNvSpPr>
+            <a:spLocks noGrp="1"/>
           </p:cNvSpPr>
           <p:nvPr>
             <p:ph type="title"/>
@@ -3632,7 +3831,7 @@
         <p:nvSpPr>
           <p:cNvPr id="3" name="Content Placeholder 2"/>
           <p:cNvSpPr>
-            <a:spLocks noGrp="true"/>
+            <a:spLocks noGrp="1"/>
           </p:cNvSpPr>
           <p:nvPr>
             <p:ph idx="1"/>
@@ -3746,7 +3945,7 @@
         <p:nvPicPr>
           <p:cNvPr id="4" name="Picture 3"/>
           <p:cNvPicPr>
-            <a:picLocks noChangeAspect="true"/>
+            <a:picLocks noChangeAspect="1"/>
           </p:cNvPicPr>
           <p:nvPr/>
         </p:nvPicPr>
@@ -3788,7 +3987,7 @@
         <p:nvSpPr>
           <p:cNvPr id="2" name="Title 1"/>
           <p:cNvSpPr>
-            <a:spLocks noGrp="true"/>
+            <a:spLocks noGrp="1"/>
           </p:cNvSpPr>
           <p:nvPr>
             <p:ph type="title"/>
@@ -3810,7 +4009,7 @@
         <p:nvSpPr>
           <p:cNvPr id="3" name="Content Placeholder 2"/>
           <p:cNvSpPr>
-            <a:spLocks noGrp="true"/>
+            <a:spLocks noGrp="1"/>
           </p:cNvSpPr>
           <p:nvPr>
             <p:ph idx="1"/>
@@ -3822,23 +4021,188 @@
           <a:p>
             <a:r>
               <a:rPr lang="en-US"/>
-              <a:t>paraVerifier is composed of two parts: an invariant finder invFinder and a proof generator proofGen. </a:t>
+              <a:t>paraVerifier is composed of two parts: an invariant finder </a:t>
+            </a:r>
+            <a:r>
+              <a:rPr lang="en-US" b="1" i="1"/>
+              <a:t>invFinder </a:t>
+            </a:r>
+            <a:r>
+              <a:rPr lang="en-US"/>
+              <a:t>and a proof generator </a:t>
+            </a:r>
+            <a:r>
+              <a:rPr lang="en-US" b="1" i="1"/>
+              <a:t>proofGen</a:t>
+            </a:r>
+            <a:r>
+              <a:rPr lang="en-US"/>
+              <a:t>. </a:t>
             </a:r>
             <a:endParaRPr lang="en-US"/>
           </a:p>
           <a:p>
             <a:r>
               <a:rPr lang="en-US"/>
-              <a:t>Given a protocol P and a property inv, invFinder tries to find useful auxiliary invariants and causal relations which are capable of proving inv. </a:t>
+              <a:t>Given a protocol </a:t>
+            </a:r>
+            <a:r>
+              <a:rPr lang="en-US" b="1" i="1"/>
+              <a:t>P </a:t>
+            </a:r>
+            <a:r>
+              <a:rPr lang="en-US"/>
+              <a:t>and a property </a:t>
+            </a:r>
+            <a:r>
+              <a:rPr lang="en-US" b="1" i="1"/>
+              <a:t>inv</a:t>
+            </a:r>
+            <a:r>
+              <a:rPr lang="en-US"/>
+              <a:t>, </a:t>
+            </a:r>
+            <a:r>
+              <a:rPr lang="en-US" b="1" i="1"/>
+              <a:t>invFinder </a:t>
+            </a:r>
+            <a:r>
+              <a:rPr lang="en-US"/>
+              <a:t>tries to find useful </a:t>
+            </a:r>
+            <a:r>
+              <a:rPr lang="en-US" i="1"/>
+              <a:t>auxiliary invariants </a:t>
+            </a:r>
+            <a:r>
+              <a:rPr lang="en-US"/>
+              <a:t>and</a:t>
+            </a:r>
+            <a:r>
+              <a:rPr lang="en-US" i="1"/>
+              <a:t> causal relations</a:t>
+            </a:r>
+            <a:r>
+              <a:rPr lang="en-US"/>
+              <a:t> which are capable of proving </a:t>
+            </a:r>
+            <a:r>
+              <a:rPr lang="en-US" b="1" i="1"/>
+              <a:t>inv</a:t>
+            </a:r>
+            <a:r>
+              <a:rPr lang="en-US"/>
+              <a:t>. </a:t>
             </a:r>
             <a:endParaRPr lang="en-US"/>
           </a:p>
           <a:p>
             <a:r>
-              <a:rPr lang="en-US"/>
-              <a:t>proofGen generalizes the auxiliary invariants and causal relations into a parameterized form, which are then used to construct a completely parameterized formal proof in a theorem prover (e.g., Isabelle) to model P and to prove the property inv. </a:t>
+              <a:rPr lang="en-US" b="1" i="1"/>
+              <a:t>proofGen </a:t>
+            </a:r>
+            <a:r>
+              <a:rPr lang="en-US"/>
+              <a:t>generalizes the auxiliary invariants and causal relations into a parameterized form, which are then used to construct a completely parameterized formal proof in a theorem prover (e.g., Isabelle) to model </a:t>
+            </a:r>
+            <a:r>
+              <a:rPr lang="en-US" b="1" i="1"/>
+              <a:t>P </a:t>
+            </a:r>
+            <a:r>
+              <a:rPr lang="en-US"/>
+              <a:t>and to prove the property </a:t>
+            </a:r>
+            <a:r>
+              <a:rPr lang="en-US" b="1" i="1"/>
+              <a:t>inv</a:t>
+            </a:r>
+            <a:r>
+              <a:rPr lang="en-US"/>
+              <a:t>. </a:t>
             </a:r>
             <a:endParaRPr lang="en-US"/>
+          </a:p>
+          <a:p>
+            <a:r>
+              <a:rPr lang="en-US"/>
+              <a:t>Problem</a:t>
+            </a:r>
+            <a:endParaRPr lang="en-US"/>
+          </a:p>
+          <a:p>
+            <a:pPr lvl="1"/>
+            <a:r>
+              <a:rPr lang="en-US"/>
+              <a:t>Input: a parameterized (symbolic) protocol </a:t>
+            </a:r>
+            <a:r>
+              <a:rPr lang="en-US" b="1" i="1"/>
+              <a:t>P(N)</a:t>
+            </a:r>
+            <a:r>
+              <a:rPr lang="en-US"/>
+              <a:t> where </a:t>
+            </a:r>
+            <a:r>
+              <a:rPr lang="en-US" b="1" i="1"/>
+              <a:t>N </a:t>
+            </a:r>
+            <a:r>
+              <a:rPr lang="en-US"/>
+              <a:t>is arbitrary, an invariant property </a:t>
+            </a:r>
+            <a:r>
+              <a:rPr lang="en-US" b="1" i="1"/>
+              <a:t>Inv</a:t>
+            </a:r>
+            <a:endParaRPr lang="en-US"/>
+          </a:p>
+          <a:p>
+            <a:pPr lvl="1"/>
+            <a:r>
+              <a:rPr lang="en-US"/>
+              <a:t>Task: </a:t>
+            </a:r>
+            <a:r>
+              <a:rPr lang="en-US" b="1" i="1"/>
+              <a:t>P(N)</a:t>
+            </a:r>
+            <a:r>
+              <a:rPr lang="en-US" b="1">
+                <a:latin typeface="宋体" panose="02010600030101010101" pitchFamily="2" charset="-122"/>
+                <a:ea typeface="宋体" panose="02010600030101010101" pitchFamily="2" charset="-122"/>
+              </a:rPr>
+              <a:t>╞</a:t>
+            </a:r>
+            <a:r>
+              <a:rPr lang="en-US" b="1" i="1">
+                <a:latin typeface="宋体" panose="02010600030101010101" pitchFamily="2" charset="-122"/>
+                <a:ea typeface="宋体" panose="02010600030101010101" pitchFamily="2" charset="-122"/>
+              </a:rPr>
+              <a:t> </a:t>
+            </a:r>
+            <a:r>
+              <a:rPr lang="en-US" b="1" i="1"/>
+              <a:t>I</a:t>
+            </a:r>
+            <a:r>
+              <a:rPr lang="en-US" sz="1800" b="1" i="1"/>
+              <a:t>n</a:t>
+            </a:r>
+            <a:r>
+              <a:rPr lang="en-US" sz="2000" b="1" i="1"/>
+              <a:t>v </a:t>
+            </a:r>
+            <a:r>
+              <a:rPr lang="en-US" sz="2000"/>
+              <a:t>for any</a:t>
+            </a:r>
+            <a:r>
+              <a:rPr lang="en-US" sz="2000" b="1" i="1"/>
+              <a:t> N</a:t>
+            </a:r>
+            <a:endParaRPr lang="en-US" sz="2000" b="1" i="1"/>
           </a:p>
         </p:txBody>
       </p:sp>
@@ -3864,7 +4228,7 @@
         <p:nvSpPr>
           <p:cNvPr id="2" name="Title 1"/>
           <p:cNvSpPr>
-            <a:spLocks noGrp="true"/>
+            <a:spLocks noGrp="1"/>
           </p:cNvSpPr>
           <p:nvPr>
             <p:ph type="title"/>
@@ -3875,103 +4239,42 @@
           <a:bodyPr/>
           <a:p>
             <a:r>
-              <a:rPr lang="en-US" altLang="en-US"/>
-              <a:t>Precondition</a:t>
-            </a:r>
-            <a:endParaRPr lang="en-US" altLang="en-US"/>
-          </a:p>
-        </p:txBody>
-      </p:sp>
-      <p:pic>
-        <p:nvPicPr>
-          <p:cNvPr id="4" name="Content Placeholder 3"/>
-          <p:cNvPicPr>
-            <a:picLocks noChangeAspect="true"/>
-          </p:cNvPicPr>
+              <a:rPr lang="en-US"/>
+              <a:t>Two Central Problems</a:t>
+            </a:r>
+            <a:endParaRPr lang="en-US"/>
+          </a:p>
+        </p:txBody>
+      </p:sp>
+      <p:sp>
+        <p:nvSpPr>
+          <p:cNvPr id="3" name="Content Placeholder 2"/>
+          <p:cNvSpPr>
+            <a:spLocks noGrp="1"/>
+          </p:cNvSpPr>
           <p:nvPr>
             <p:ph idx="1"/>
           </p:nvPr>
-        </p:nvPicPr>
-        <p:blipFill>
-          <a:blip r:embed="rId1"/>
-          <a:stretch>
-            <a:fillRect/>
-          </a:stretch>
-        </p:blipFill>
-        <p:spPr>
-          <a:xfrm>
-            <a:off x="647700" y="1166495"/>
-            <a:ext cx="9534525" cy="1628775"/>
-          </a:xfrm>
-          <a:prstGeom prst="rect">
-            <a:avLst/>
-          </a:prstGeom>
-        </p:spPr>
-      </p:pic>
-      <p:sp>
-        <p:nvSpPr>
-          <p:cNvPr id="5" name="Text Box 4"/>
-          <p:cNvSpPr txBox="true"/>
-          <p:nvPr/>
-        </p:nvSpPr>
-        <p:spPr>
-          <a:xfrm>
-            <a:off x="798830" y="3199130"/>
-            <a:ext cx="4359275" cy="460375"/>
-          </a:xfrm>
-          <a:prstGeom prst="rect">
-            <a:avLst/>
-          </a:prstGeom>
-          <a:noFill/>
-        </p:spPr>
-        <p:txBody>
-          <a:bodyPr wrap="square" rtlCol="0">
-            <a:spAutoFit/>
-          </a:bodyPr>
-          <a:p>
-            <a:r>
-              <a:rPr lang="en-US" altLang="en-US" sz="2400" b="1">
-                <a:effectLst>
-                  <a:outerShdw blurRad="38100" dist="38100" dir="2700000" algn="tl">
-                    <a:srgbClr val="000000">
-                      <a:alpha val="43137"/>
-                    </a:srgbClr>
-                  </a:outerShdw>
-                </a:effectLst>
-                <a:latin typeface="+mj-lt"/>
-                <a:ea typeface="+mj-ea"/>
-                <a:cs typeface="+mj-cs"/>
-              </a:rPr>
-              <a:t>parameterized object</a:t>
-            </a:r>
-            <a:endParaRPr lang="en-US" altLang="en-US"/>
-          </a:p>
-        </p:txBody>
-      </p:sp>
-      <p:pic>
-        <p:nvPicPr>
-          <p:cNvPr id="6" name="Picture 5"/>
-          <p:cNvPicPr>
-            <a:picLocks noChangeAspect="true"/>
-          </p:cNvPicPr>
-          <p:nvPr/>
-        </p:nvPicPr>
-        <p:blipFill>
-          <a:blip r:embed="rId2"/>
-          <a:stretch>
-            <a:fillRect/>
-          </a:stretch>
-        </p:blipFill>
-        <p:spPr>
-          <a:xfrm>
-            <a:off x="737870" y="3737610"/>
-            <a:ext cx="10335260" cy="1653540"/>
-          </a:xfrm>
-          <a:prstGeom prst="rect">
-            <a:avLst/>
-          </a:prstGeom>
-        </p:spPr>
-      </p:pic>
+        </p:nvSpPr>
+        <p:spPr/>
+        <p:txBody>
+          <a:bodyPr/>
+          <a:p>
+            <a:r>
+              <a:rPr lang="en-US"/>
+              <a:t>automatically searching auxiliary invariants</a:t>
+            </a:r>
+            <a:endParaRPr lang="en-US"/>
+          </a:p>
+          <a:p>
+            <a:r>
+              <a:rPr lang="en-US"/>
+              <a:t>soundness problem: formally proving all the steps</a:t>
+            </a:r>
+            <a:endParaRPr lang="en-US"/>
+          </a:p>
+        </p:txBody>
+      </p:sp>
     </p:spTree>
   </p:cSld>
   <p:clrMapOvr>
@@ -3994,7 +4297,7 @@
         <p:nvSpPr>
           <p:cNvPr id="2" name="Title 1"/>
           <p:cNvSpPr>
-            <a:spLocks noGrp="true"/>
+            <a:spLocks noGrp="1"/>
           </p:cNvSpPr>
           <p:nvPr>
             <p:ph type="title"/>
@@ -4006,6 +4309,677 @@
           <a:p>
             <a:r>
               <a:rPr lang="en-US"/>
+              <a:t>Preliminary</a:t>
+            </a:r>
+            <a:endParaRPr lang="en-US"/>
+          </a:p>
+        </p:txBody>
+      </p:sp>
+      <p:sp>
+        <p:nvSpPr>
+          <p:cNvPr id="3" name="Content Placeholder 2"/>
+          <p:cNvSpPr>
+            <a:spLocks noGrp="1"/>
+          </p:cNvSpPr>
+          <p:nvPr>
+            <p:ph idx="1"/>
+          </p:nvPr>
+        </p:nvSpPr>
+        <p:spPr/>
+        <p:txBody>
+          <a:bodyPr/>
+          <a:p>
+            <a:r>
+              <a:rPr lang="en-US"/>
+              <a:t>A protocol is formalized as a pair </a:t>
+            </a:r>
+            <a:r>
+              <a:rPr lang="en-US" b="1"/>
+              <a:t>(</a:t>
+            </a:r>
+            <a:r>
+              <a:rPr lang="en-US" b="1" i="1"/>
+              <a:t>ini, rules</a:t>
+            </a:r>
+            <a:r>
+              <a:rPr lang="en-US" b="1"/>
+              <a:t>)</a:t>
+            </a:r>
+            <a:r>
+              <a:rPr lang="en-US"/>
+              <a:t>, where</a:t>
+            </a:r>
+            <a:endParaRPr lang="en-US"/>
+          </a:p>
+          <a:p>
+            <a:pPr lvl="1"/>
+            <a:r>
+              <a:rPr lang="en-US" b="1" i="1"/>
+              <a:t>ini</a:t>
+            </a:r>
+            <a:r>
+              <a:rPr lang="en-US"/>
+              <a:t> is a formula to specify initial states</a:t>
+            </a:r>
+            <a:endParaRPr lang="en-US"/>
+          </a:p>
+          <a:p>
+            <a:pPr lvl="1"/>
+            <a:r>
+              <a:rPr lang="en-US" b="1" i="1"/>
+              <a:t>rules</a:t>
+            </a:r>
+            <a:r>
+              <a:rPr lang="en-US"/>
+              <a:t> is a set of guarded commands. Each </a:t>
+            </a:r>
+            <a:r>
+              <a:rPr lang="en-US" b="1" i="1"/>
+              <a:t>rule r </a:t>
+            </a:r>
+            <a:r>
+              <a:rPr lang="en-US" b="1" i="1">
+                <a:latin typeface="宋体" panose="02010600030101010101" pitchFamily="2" charset="-122"/>
+                <a:ea typeface="宋体" panose="02010600030101010101" pitchFamily="2" charset="-122"/>
+              </a:rPr>
+              <a:t>∈</a:t>
+            </a:r>
+            <a:r>
+              <a:rPr lang="en-US" b="1" i="1"/>
+              <a:t> rules</a:t>
+            </a:r>
+            <a:r>
+              <a:rPr lang="en-US"/>
+              <a:t> is defined as </a:t>
+            </a:r>
+            <a:r>
+              <a:rPr lang="en-US" b="1" i="1"/>
+              <a:t>g </a:t>
+            </a:r>
+            <a:r>
+              <a:rPr lang="en-US" b="1" i="1">
+                <a:latin typeface="Arial" panose="020B0604020202020204" pitchFamily="34" charset="0"/>
+                <a:cs typeface="Arial" panose="020B0604020202020204" pitchFamily="34" charset="0"/>
+              </a:rPr>
+              <a:t>→</a:t>
+            </a:r>
+            <a:r>
+              <a:rPr lang="en-US" b="1" i="1"/>
+              <a:t> S</a:t>
+            </a:r>
+            <a:r>
+              <a:rPr lang="en-US"/>
+              <a:t>, where </a:t>
+            </a:r>
+            <a:r>
+              <a:rPr lang="en-US" b="1" i="1"/>
+              <a:t>g </a:t>
+            </a:r>
+            <a:r>
+              <a:rPr lang="en-US"/>
+              <a:t>is a predicate specifying the guard, and the update </a:t>
+            </a:r>
+            <a:r>
+              <a:rPr lang="en-US" b="1" i="1"/>
+              <a:t>S </a:t>
+            </a:r>
+            <a:r>
+              <a:rPr lang="en-US"/>
+              <a:t>is a parallel assignment to distinct variables</a:t>
+            </a:r>
+            <a:endParaRPr lang="en-US"/>
+          </a:p>
+          <a:p>
+            <a:pPr lvl="0"/>
+            <a:r>
+              <a:rPr lang="en-US"/>
+              <a:t>Inductive Invariant</a:t>
+            </a:r>
+            <a:endParaRPr lang="en-US"/>
+          </a:p>
+          <a:p>
+            <a:pPr lvl="1"/>
+            <a:r>
+              <a:rPr lang="en-US"/>
+              <a:t>Definition: Let </a:t>
+            </a:r>
+            <a:r>
+              <a:rPr lang="en-US" b="1" i="1"/>
+              <a:t>P := (ini, rules) </a:t>
+            </a:r>
+            <a:r>
+              <a:rPr lang="en-US"/>
+              <a:t>be a protocol. A formula inv is an inductive invariant of </a:t>
+            </a:r>
+            <a:r>
+              <a:rPr lang="en-US" b="1" i="1"/>
+              <a:t>P </a:t>
+            </a:r>
+            <a:r>
+              <a:rPr lang="en-US"/>
+              <a:t>if</a:t>
+            </a:r>
+            <a:endParaRPr lang="en-US"/>
+          </a:p>
+          <a:p>
+            <a:pPr lvl="1"/>
+            <a:endParaRPr lang="en-US"/>
+          </a:p>
+          <a:p>
+            <a:pPr lvl="1"/>
+            <a:endParaRPr lang="en-US"/>
+          </a:p>
+          <a:p>
+            <a:pPr lvl="1"/>
+            <a:endParaRPr lang="en-US"/>
+          </a:p>
+          <a:p>
+            <a:pPr lvl="1"/>
+            <a:r>
+              <a:rPr lang="en-US"/>
+              <a:t>Proposition: Assume given a protocol </a:t>
+            </a:r>
+            <a:r>
+              <a:rPr lang="en-US" b="1" i="1"/>
+              <a:t>P=(I,R)</a:t>
+            </a:r>
+            <a:r>
+              <a:rPr lang="en-US"/>
+              <a:t> and an requirement</a:t>
+            </a:r>
+            <a:r>
+              <a:rPr lang="en-US">
+                <a:sym typeface="+mn-ea"/>
+              </a:rPr>
+              <a:t>(invariant) </a:t>
+            </a:r>
+            <a:r>
+              <a:rPr lang="en-US" b="1" i="1">
+                <a:sym typeface="+mn-ea"/>
+              </a:rPr>
+              <a:t>req</a:t>
+            </a:r>
+            <a:r>
+              <a:rPr lang="en-US">
+                <a:sym typeface="+mn-ea"/>
+              </a:rPr>
+              <a:t>, </a:t>
+            </a:r>
+            <a:r>
+              <a:rPr lang="en-US" b="1" i="1">
+                <a:sym typeface="+mn-ea"/>
+              </a:rPr>
+              <a:t>P </a:t>
+            </a:r>
+            <a:r>
+              <a:rPr lang="en-US">
+                <a:sym typeface="+mn-ea"/>
+              </a:rPr>
+              <a:t>satisfies </a:t>
+            </a:r>
+            <a:r>
+              <a:rPr lang="en-US" b="1" i="1">
+                <a:sym typeface="+mn-ea"/>
+              </a:rPr>
+              <a:t>req </a:t>
+            </a:r>
+            <a:r>
+              <a:rPr lang="en-US">
+                <a:sym typeface="+mn-ea"/>
+              </a:rPr>
+              <a:t>if there exists an inductive invariant </a:t>
+            </a:r>
+            <a:r>
+              <a:rPr lang="en-US" b="1" i="1">
+                <a:sym typeface="+mn-ea"/>
+              </a:rPr>
+              <a:t>inv </a:t>
+            </a:r>
+            <a:r>
+              <a:rPr lang="en-US">
+                <a:sym typeface="+mn-ea"/>
+              </a:rPr>
+              <a:t>of P such that</a:t>
+            </a:r>
+            <a:r>
+              <a:rPr lang="en-US">
+                <a:latin typeface="宋体" panose="02010600030101010101" pitchFamily="2" charset="-122"/>
+                <a:ea typeface="宋体" panose="02010600030101010101" pitchFamily="2" charset="-122"/>
+                <a:sym typeface="+mn-ea"/>
+              </a:rPr>
+              <a:t>╞</a:t>
+            </a:r>
+            <a:r>
+              <a:rPr lang="en-US" b="1" i="1">
+                <a:sym typeface="+mn-ea"/>
+              </a:rPr>
+              <a:t>inv</a:t>
+            </a:r>
+            <a:r>
+              <a:rPr lang="en-US" b="1" i="1">
+                <a:latin typeface="Arial" panose="020B0604020202020204" pitchFamily="34" charset="0"/>
+                <a:cs typeface="Arial" panose="020B0604020202020204" pitchFamily="34" charset="0"/>
+                <a:sym typeface="+mn-ea"/>
+              </a:rPr>
+              <a:t>→</a:t>
+            </a:r>
+            <a:r>
+              <a:rPr lang="en-US" b="1" i="1">
+                <a:sym typeface="+mn-ea"/>
+              </a:rPr>
+              <a:t>req</a:t>
+            </a:r>
+            <a:endParaRPr lang="en-US" b="1" i="1">
+              <a:sym typeface="+mn-ea"/>
+            </a:endParaRPr>
+          </a:p>
+          <a:p>
+            <a:pPr lvl="1"/>
+            <a:endParaRPr lang="en-US" b="1" i="1"/>
+          </a:p>
+        </p:txBody>
+      </p:sp>
+      <p:pic>
+        <p:nvPicPr>
+          <p:cNvPr id="5" name="Picture 4"/>
+          <p:cNvPicPr>
+            <a:picLocks noChangeAspect="1"/>
+          </p:cNvPicPr>
+          <p:nvPr/>
+        </p:nvPicPr>
+        <p:blipFill>
+          <a:blip r:embed="rId1"/>
+          <a:stretch>
+            <a:fillRect/>
+          </a:stretch>
+        </p:blipFill>
+        <p:spPr>
+          <a:xfrm>
+            <a:off x="2427605" y="3766185"/>
+            <a:ext cx="9493250" cy="819785"/>
+          </a:xfrm>
+          <a:prstGeom prst="rect">
+            <a:avLst/>
+          </a:prstGeom>
+        </p:spPr>
+      </p:pic>
+    </p:spTree>
+  </p:cSld>
+  <p:clrMapOvr>
+    <a:masterClrMapping/>
+  </p:clrMapOvr>
+</p:sld>
+</file>
+
+<file path=ppt/slides/slide5.xml><?xml version="1.0" encoding="utf-8"?>
+<p:sld xmlns:a="http://schemas.openxmlformats.org/drawingml/2006/main" xmlns:r="http://schemas.openxmlformats.org/officeDocument/2006/relationships" xmlns:p="http://schemas.openxmlformats.org/presentationml/2006/main">
+  <p:cSld>
+    <p:spTree>
+      <p:nvGrpSpPr>
+        <p:cNvPr id="1" name=""/>
+        <p:cNvGrpSpPr/>
+        <p:nvPr/>
+      </p:nvGrpSpPr>
+      <p:grpSpPr/>
+      <p:sp>
+        <p:nvSpPr>
+          <p:cNvPr id="2" name="Title 1"/>
+          <p:cNvSpPr>
+            <a:spLocks noGrp="1"/>
+          </p:cNvSpPr>
+          <p:nvPr>
+            <p:ph type="title"/>
+          </p:nvPr>
+        </p:nvSpPr>
+        <p:spPr/>
+        <p:txBody>
+          <a:bodyPr/>
+          <a:p>
+            <a:r>
+              <a:rPr lang="en-US"/>
+              <a:t>Inductive Invariant</a:t>
+            </a:r>
+            <a:endParaRPr lang="en-US"/>
+          </a:p>
+        </p:txBody>
+      </p:sp>
+      <p:sp>
+        <p:nvSpPr>
+          <p:cNvPr id="3" name="Content Placeholder 2"/>
+          <p:cNvSpPr>
+            <a:spLocks noGrp="1"/>
+          </p:cNvSpPr>
+          <p:nvPr>
+            <p:ph idx="1"/>
+          </p:nvPr>
+        </p:nvSpPr>
+        <p:spPr/>
+        <p:txBody>
+          <a:bodyPr/>
+          <a:p>
+            <a:r>
+              <a:rPr lang="en-US"/>
+              <a:t>“for each </a:t>
+            </a:r>
+            <a:r>
+              <a:rPr lang="en-US" b="1" i="1"/>
+              <a:t>r</a:t>
+            </a:r>
+            <a:r>
+              <a:rPr lang="en-US">
+                <a:latin typeface="宋体" panose="02010600030101010101" pitchFamily="2" charset="-122"/>
+                <a:ea typeface="宋体" panose="02010600030101010101" pitchFamily="2" charset="-122"/>
+              </a:rPr>
+              <a:t>∈</a:t>
+            </a:r>
+            <a:r>
+              <a:rPr lang="en-US"/>
+              <a:t> </a:t>
+            </a:r>
+            <a:r>
+              <a:rPr lang="en-US" b="1" i="1"/>
+              <a:t>R</a:t>
+            </a:r>
+            <a:r>
+              <a:rPr lang="en-US"/>
+              <a:t>, we have </a:t>
+            </a:r>
+            <a:r>
+              <a:rPr lang="en-US">
+                <a:latin typeface="宋体" panose="02010600030101010101" pitchFamily="2" charset="-122"/>
+                <a:ea typeface="宋体" panose="02010600030101010101" pitchFamily="2" charset="-122"/>
+              </a:rPr>
+              <a:t>╞</a:t>
+            </a:r>
+            <a:r>
+              <a:rPr lang="en-US" b="1" i="1"/>
+              <a:t>inv</a:t>
+            </a:r>
+            <a:r>
+              <a:rPr lang="en-US">
+                <a:latin typeface="宋体" panose="02010600030101010101" pitchFamily="2" charset="-122"/>
+                <a:ea typeface="宋体" panose="02010600030101010101" pitchFamily="2" charset="-122"/>
+              </a:rPr>
+              <a:t>∧</a:t>
+            </a:r>
+            <a:r>
+              <a:rPr lang="en-US" b="1" i="1"/>
+              <a:t>guard(r)</a:t>
+            </a:r>
+            <a:r>
+              <a:rPr lang="en-US"/>
+              <a:t> </a:t>
+            </a:r>
+            <a:r>
+              <a:rPr lang="en-US">
+                <a:latin typeface="Arial" panose="020B0604020202020204" pitchFamily="34" charset="0"/>
+                <a:cs typeface="Arial" panose="020B0604020202020204" pitchFamily="34" charset="0"/>
+              </a:rPr>
+              <a:t>→</a:t>
+            </a:r>
+            <a:r>
+              <a:rPr lang="en-US" b="1" i="1"/>
+              <a:t>WP(action(r), inv) </a:t>
+            </a:r>
+            <a:r>
+              <a:rPr lang="en-US"/>
+              <a:t>”</a:t>
+            </a:r>
+            <a:endParaRPr lang="en-US" b="1" i="1"/>
+          </a:p>
+          <a:p>
+            <a:r>
+              <a:rPr lang="en-US"/>
+              <a:t>We distinguish the following three cases:</a:t>
+            </a:r>
+            <a:endParaRPr lang="en-US"/>
+          </a:p>
+          <a:p>
+            <a:pPr marL="800100" lvl="1" indent="-342900">
+              <a:buAutoNum type="arabicPeriod"/>
+            </a:pPr>
+            <a:r>
+              <a:rPr lang="en-US">
+                <a:latin typeface="宋体" panose="02010600030101010101" pitchFamily="2" charset="-122"/>
+                <a:ea typeface="宋体" panose="02010600030101010101" pitchFamily="2" charset="-122"/>
+                <a:sym typeface="+mn-ea"/>
+              </a:rPr>
+              <a:t>╞</a:t>
+            </a:r>
+            <a:r>
+              <a:rPr lang="en-US" b="1" i="1">
+                <a:sym typeface="+mn-ea"/>
+              </a:rPr>
+              <a:t>guard(r)</a:t>
+            </a:r>
+            <a:r>
+              <a:rPr lang="en-US">
+                <a:sym typeface="+mn-ea"/>
+              </a:rPr>
+              <a:t> </a:t>
+            </a:r>
+            <a:r>
+              <a:rPr lang="en-US">
+                <a:latin typeface="Arial" panose="020B0604020202020204" pitchFamily="34" charset="0"/>
+                <a:cs typeface="Arial" panose="020B0604020202020204" pitchFamily="34" charset="0"/>
+                <a:sym typeface="+mn-ea"/>
+              </a:rPr>
+              <a:t>→</a:t>
+            </a:r>
+            <a:r>
+              <a:rPr lang="en-US" b="1" i="1">
+                <a:sym typeface="+mn-ea"/>
+              </a:rPr>
+              <a:t>WP(action(r), inv) </a:t>
+            </a:r>
+            <a:r>
+              <a:rPr lang="en-US">
+                <a:sym typeface="+mn-ea"/>
+              </a:rPr>
+              <a:t>: precondition </a:t>
+            </a:r>
+            <a:r>
+              <a:rPr lang="en-US" b="1" i="1">
+                <a:sym typeface="+mn-ea"/>
+              </a:rPr>
+              <a:t>inv </a:t>
+            </a:r>
+            <a:r>
+              <a:rPr lang="en-US">
+                <a:sym typeface="+mn-ea"/>
+              </a:rPr>
+              <a:t>not needed</a:t>
+            </a:r>
+            <a:endParaRPr lang="en-US">
+              <a:sym typeface="+mn-ea"/>
+            </a:endParaRPr>
+          </a:p>
+          <a:p>
+            <a:pPr marL="800100" lvl="1" indent="-342900">
+              <a:buAutoNum type="arabicPeriod"/>
+            </a:pPr>
+            <a:r>
+              <a:rPr lang="en-US">
+                <a:latin typeface="宋体" panose="02010600030101010101" pitchFamily="2" charset="-122"/>
+                <a:ea typeface="宋体" panose="02010600030101010101" pitchFamily="2" charset="-122"/>
+                <a:sym typeface="+mn-ea"/>
+              </a:rPr>
+              <a:t>╞</a:t>
+            </a:r>
+            <a:r>
+              <a:rPr lang="en-US" b="1" i="1">
+                <a:sym typeface="+mn-ea"/>
+              </a:rPr>
+              <a:t>inv</a:t>
+            </a:r>
+            <a:r>
+              <a:rPr lang="en-US">
+                <a:sym typeface="+mn-ea"/>
+              </a:rPr>
+              <a:t> </a:t>
+            </a:r>
+            <a:r>
+              <a:rPr lang="en-US">
+                <a:latin typeface="Arial" panose="020B0604020202020204" pitchFamily="34" charset="0"/>
+                <a:cs typeface="Arial" panose="020B0604020202020204" pitchFamily="34" charset="0"/>
+                <a:sym typeface="+mn-ea"/>
+              </a:rPr>
+              <a:t>→</a:t>
+            </a:r>
+            <a:r>
+              <a:rPr lang="en-US" b="1" i="1">
+                <a:sym typeface="+mn-ea"/>
+              </a:rPr>
+              <a:t>WP(action(r), inv) </a:t>
+            </a:r>
+            <a:r>
+              <a:rPr lang="en-US">
+                <a:sym typeface="+mn-ea"/>
+              </a:rPr>
+              <a:t>: guard not needed</a:t>
+            </a:r>
+            <a:endParaRPr lang="en-US">
+              <a:sym typeface="+mn-ea"/>
+            </a:endParaRPr>
+          </a:p>
+          <a:p>
+            <a:pPr marL="800100" lvl="1" indent="-342900">
+              <a:buAutoNum type="arabicPeriod"/>
+            </a:pPr>
+            <a:r>
+              <a:rPr lang="en-US">
+                <a:latin typeface="宋体" panose="02010600030101010101" pitchFamily="2" charset="-122"/>
+                <a:ea typeface="宋体" panose="02010600030101010101" pitchFamily="2" charset="-122"/>
+                <a:sym typeface="+mn-ea"/>
+              </a:rPr>
+              <a:t>╞</a:t>
+            </a:r>
+            <a:r>
+              <a:rPr lang="en-US" b="1" i="1">
+                <a:sym typeface="+mn-ea"/>
+              </a:rPr>
+              <a:t>inv</a:t>
+            </a:r>
+            <a:r>
+              <a:rPr lang="en-US">
+                <a:latin typeface="宋体" panose="02010600030101010101" pitchFamily="2" charset="-122"/>
+                <a:ea typeface="宋体" panose="02010600030101010101" pitchFamily="2" charset="-122"/>
+                <a:sym typeface="+mn-ea"/>
+              </a:rPr>
+              <a:t>∧</a:t>
+            </a:r>
+            <a:r>
+              <a:rPr lang="en-US" b="1" i="1">
+                <a:sym typeface="+mn-ea"/>
+              </a:rPr>
+              <a:t>guard(r)</a:t>
+            </a:r>
+            <a:r>
+              <a:rPr lang="en-US">
+                <a:latin typeface="宋体" panose="02010600030101010101" pitchFamily="2" charset="-122"/>
+                <a:ea typeface="宋体" panose="02010600030101010101" pitchFamily="2" charset="-122"/>
+                <a:sym typeface="+mn-ea"/>
+              </a:rPr>
+              <a:t>∧</a:t>
+            </a:r>
+            <a:r>
+              <a:rPr lang="en-US" sz="2000" b="1" i="1">
+                <a:sym typeface="+mn-ea"/>
+              </a:rPr>
+              <a:t>inv'</a:t>
+            </a:r>
+            <a:r>
+              <a:rPr lang="en-US" b="1" i="1">
+                <a:sym typeface="+mn-ea"/>
+              </a:rPr>
+              <a:t> </a:t>
+            </a:r>
+            <a:r>
+              <a:rPr lang="en-US">
+                <a:latin typeface="Arial" panose="020B0604020202020204" pitchFamily="34" charset="0"/>
+                <a:cs typeface="Arial" panose="020B0604020202020204" pitchFamily="34" charset="0"/>
+                <a:sym typeface="+mn-ea"/>
+              </a:rPr>
+              <a:t>→</a:t>
+            </a:r>
+            <a:r>
+              <a:rPr lang="en-US" b="1" i="1">
+                <a:sym typeface="+mn-ea"/>
+              </a:rPr>
+              <a:t>WP(action(r), inv) </a:t>
+            </a:r>
+            <a:r>
+              <a:rPr lang="en-US">
+                <a:sym typeface="+mn-ea"/>
+              </a:rPr>
+              <a:t>:strengthening </a:t>
+            </a:r>
+            <a:r>
+              <a:rPr lang="en-US" b="1" i="1">
+                <a:sym typeface="+mn-ea"/>
+              </a:rPr>
+              <a:t>inv' </a:t>
+            </a:r>
+            <a:r>
+              <a:rPr lang="en-US">
+                <a:sym typeface="+mn-ea"/>
+              </a:rPr>
+              <a:t>needed</a:t>
+            </a:r>
+            <a:endParaRPr lang="en-US">
+              <a:sym typeface="+mn-ea"/>
+            </a:endParaRPr>
+          </a:p>
+          <a:p>
+            <a:pPr lvl="0"/>
+            <a:endParaRPr lang="en-US">
+              <a:sym typeface="+mn-ea"/>
+            </a:endParaRPr>
+          </a:p>
+          <a:p>
+            <a:pPr marL="800100" lvl="1" indent="-342900">
+              <a:buAutoNum type="arabicPeriod"/>
+            </a:pPr>
+            <a:endParaRPr lang="en-US">
+              <a:sym typeface="+mn-ea"/>
+            </a:endParaRPr>
+          </a:p>
+        </p:txBody>
+      </p:sp>
+    </p:spTree>
+  </p:cSld>
+  <p:clrMapOvr>
+    <a:masterClrMapping/>
+  </p:clrMapOvr>
+</p:sld>
+</file>
+
+<file path=ppt/slides/slide6.xml><?xml version="1.0" encoding="utf-8"?>
+<p:sld xmlns:a="http://schemas.openxmlformats.org/drawingml/2006/main" xmlns:r="http://schemas.openxmlformats.org/officeDocument/2006/relationships" xmlns:p="http://schemas.openxmlformats.org/presentationml/2006/main">
+  <p:cSld>
+    <p:spTree>
+      <p:nvGrpSpPr>
+        <p:cNvPr id="1" name=""/>
+        <p:cNvGrpSpPr/>
+        <p:nvPr/>
+      </p:nvGrpSpPr>
+      <p:grpSpPr/>
+      <p:sp>
+        <p:nvSpPr>
+          <p:cNvPr id="2" name="Title 1"/>
+          <p:cNvSpPr>
+            <a:spLocks noGrp="1"/>
+          </p:cNvSpPr>
+          <p:nvPr>
+            <p:ph type="title"/>
+          </p:nvPr>
+        </p:nvSpPr>
+        <p:spPr/>
+        <p:txBody>
+          <a:bodyPr/>
+          <a:p>
+            <a:r>
+              <a:rPr lang="en-US"/>
               <a:t>Causal Relations </a:t>
             </a:r>
             <a:endParaRPr lang="en-US"/>
@@ -4016,7 +4990,7 @@
         <p:nvSpPr>
           <p:cNvPr id="3" name="Content Placeholder 2"/>
           <p:cNvSpPr>
-            <a:spLocks noGrp="true"/>
+            <a:spLocks noGrp="1"/>
           </p:cNvSpPr>
           <p:nvPr>
             <p:ph idx="1"/>
@@ -4096,6 +5070,12 @@
             <a:pPr marL="0" indent="0">
               <a:buNone/>
             </a:pPr>
+            <a:endParaRPr lang="en-US" altLang="en-US"/>
+          </a:p>
+          <a:p>
+            <a:pPr marL="0" indent="0">
+              <a:buNone/>
+            </a:pPr>
             <a:r>
               <a:rPr lang="en-US" altLang="en-US"/>
               <a:t>a rule </a:t>
@@ -4204,7 +5184,7 @@
         <p:nvPicPr>
           <p:cNvPr id="4" name="Picture 3"/>
           <p:cNvPicPr>
-            <a:picLocks noChangeAspect="true"/>
+            <a:picLocks noChangeAspect="1"/>
           </p:cNvPicPr>
           <p:nvPr/>
         </p:nvPicPr>
@@ -4232,7 +5212,7 @@
 </p:sld>
 </file>
 
-<file path=ppt/slides/slide5.xml><?xml version="1.0" encoding="utf-8"?>
+<file path=ppt/slides/slide7.xml><?xml version="1.0" encoding="utf-8"?>
 <p:sld xmlns:a="http://schemas.openxmlformats.org/drawingml/2006/main" xmlns:r="http://schemas.openxmlformats.org/officeDocument/2006/relationships" xmlns:p="http://schemas.openxmlformats.org/presentationml/2006/main">
   <p:cSld>
     <p:spTree>
@@ -4246,7 +5226,7 @@
         <p:nvSpPr>
           <p:cNvPr id="2" name="Title 1"/>
           <p:cNvSpPr>
-            <a:spLocks noGrp="true"/>
+            <a:spLocks noGrp="1"/>
           </p:cNvSpPr>
           <p:nvPr>
             <p:ph type="title"/>
@@ -4270,7 +5250,7 @@
         <p:nvSpPr>
           <p:cNvPr id="3" name="Content Placeholder 2"/>
           <p:cNvSpPr>
-            <a:spLocks noGrp="true"/>
+            <a:spLocks noGrp="1"/>
           </p:cNvSpPr>
           <p:nvPr>
             <p:ph idx="1"/>
@@ -4558,7 +5538,7 @@
 </p:sld>
 </file>
 
-<file path=ppt/slides/slide6.xml><?xml version="1.0" encoding="utf-8"?>
+<file path=ppt/slides/slide8.xml><?xml version="1.0" encoding="utf-8"?>
 <p:sld xmlns:a="http://schemas.openxmlformats.org/drawingml/2006/main" xmlns:r="http://schemas.openxmlformats.org/officeDocument/2006/relationships" xmlns:p="http://schemas.openxmlformats.org/presentationml/2006/main">
   <p:cSld>
     <p:spTree>
@@ -4572,7 +5552,7 @@
         <p:nvSpPr>
           <p:cNvPr id="2" name="Title 1"/>
           <p:cNvSpPr>
-            <a:spLocks noGrp="true"/>
+            <a:spLocks noGrp="1"/>
           </p:cNvSpPr>
           <p:nvPr>
             <p:ph type="title"/>
@@ -4606,7 +5586,7 @@
         <p:nvSpPr>
           <p:cNvPr id="3" name="Content Placeholder 2"/>
           <p:cNvSpPr>
-            <a:spLocks noGrp="true"/>
+            <a:spLocks noGrp="1"/>
           </p:cNvSpPr>
           <p:nvPr>
             <p:ph idx="1"/>
@@ -4717,7 +5697,7 @@
         <p:nvPicPr>
           <p:cNvPr id="4" name="Picture 3"/>
           <p:cNvPicPr>
-            <a:picLocks noChangeAspect="true"/>
+            <a:picLocks noChangeAspect="1"/>
           </p:cNvPicPr>
           <p:nvPr/>
         </p:nvPicPr>
@@ -4741,12 +5721,14 @@
         <p:nvPicPr>
           <p:cNvPr id="5" name="Picture 4"/>
           <p:cNvPicPr>
-            <a:picLocks noChangeAspect="true"/>
+            <a:picLocks noChangeAspect="1"/>
           </p:cNvPicPr>
           <p:nvPr/>
         </p:nvPicPr>
         <p:blipFill>
-          <a:blip r:embed="rId2"/>
+          <a:blip r:embed="rId2">
+            <a:lum bright="-12000" contrast="24000"/>
+          </a:blip>
           <a:stretch>
             <a:fillRect/>
           </a:stretch>
@@ -4769,7 +5751,7 @@
 </p:sld>
 </file>
 
-<file path=ppt/slides/slide7.xml><?xml version="1.0" encoding="utf-8"?>
+<file path=ppt/slides/slide9.xml><?xml version="1.0" encoding="utf-8"?>
 <p:sld xmlns:a="http://schemas.openxmlformats.org/drawingml/2006/main" xmlns:r="http://schemas.openxmlformats.org/officeDocument/2006/relationships" xmlns:p="http://schemas.openxmlformats.org/presentationml/2006/main">
   <p:cSld>
     <p:spTree>
@@ -4783,7 +5765,7 @@
         <p:nvSpPr>
           <p:cNvPr id="2" name="Title 1"/>
           <p:cNvSpPr>
-            <a:spLocks noGrp="true"/>
+            <a:spLocks noGrp="1"/>
           </p:cNvSpPr>
           <p:nvPr>
             <p:ph type="title"/>
@@ -4806,12 +5788,12 @@
               <a:t>onsistency </a:t>
             </a:r>
             <a:r>
-              <a:rPr lang="" altLang="en-US">
+              <a:rPr lang="en-US" altLang="en-US">
                 <a:sym typeface="+mn-ea"/>
               </a:rPr>
               <a:t>Lemma</a:t>
             </a:r>
-            <a:endParaRPr lang="" altLang="en-US"/>
+            <a:endParaRPr lang="en-US" altLang="en-US"/>
           </a:p>
         </p:txBody>
       </p:sp>
@@ -4819,7 +5801,7 @@
         <p:nvPicPr>
           <p:cNvPr id="4" name="Content Placeholder 3"/>
           <p:cNvPicPr>
-            <a:picLocks noChangeAspect="true"/>
+            <a:picLocks noChangeAspect="1"/>
           </p:cNvPicPr>
           <p:nvPr>
             <p:ph idx="1"/>
@@ -4841,203 +5823,6 @@
           </a:prstGeom>
         </p:spPr>
       </p:pic>
-    </p:spTree>
-  </p:cSld>
-  <p:clrMapOvr>
-    <a:masterClrMapping/>
-  </p:clrMapOvr>
-</p:sld>
-</file>
-
-<file path=ppt/slides/slide8.xml><?xml version="1.0" encoding="utf-8"?>
-<p:sld xmlns:a="http://schemas.openxmlformats.org/drawingml/2006/main" xmlns:r="http://schemas.openxmlformats.org/officeDocument/2006/relationships" xmlns:p="http://schemas.openxmlformats.org/presentationml/2006/main">
-  <p:cSld>
-    <p:spTree>
-      <p:nvGrpSpPr>
-        <p:cNvPr id="1" name=""/>
-        <p:cNvGrpSpPr/>
-        <p:nvPr/>
-      </p:nvGrpSpPr>
-      <p:grpSpPr/>
-      <p:sp>
-        <p:nvSpPr>
-          <p:cNvPr id="2" name="Title 1"/>
-          <p:cNvSpPr>
-            <a:spLocks noGrp="true"/>
-          </p:cNvSpPr>
-          <p:nvPr>
-            <p:ph type="title"/>
-          </p:nvPr>
-        </p:nvSpPr>
-        <p:spPr/>
-        <p:txBody>
-          <a:bodyPr/>
-          <a:p>
-            <a:endParaRPr lang="en-US"/>
-          </a:p>
-        </p:txBody>
-      </p:sp>
-      <p:sp>
-        <p:nvSpPr>
-          <p:cNvPr id="3" name="Content Placeholder 2"/>
-          <p:cNvSpPr>
-            <a:spLocks noGrp="true"/>
-          </p:cNvSpPr>
-          <p:nvPr>
-            <p:ph idx="1"/>
-          </p:nvPr>
-        </p:nvSpPr>
-        <p:spPr/>
-        <p:txBody>
-          <a:bodyPr/>
-          <a:p>
-            <a:endParaRPr lang="en-US"/>
-          </a:p>
-        </p:txBody>
-      </p:sp>
-    </p:spTree>
-  </p:cSld>
-  <p:clrMapOvr>
-    <a:masterClrMapping/>
-  </p:clrMapOvr>
-</p:sld>
-</file>
-
-<file path=ppt/slides/slide9.xml><?xml version="1.0" encoding="utf-8"?>
-<p:sld xmlns:a="http://schemas.openxmlformats.org/drawingml/2006/main" xmlns:r="http://schemas.openxmlformats.org/officeDocument/2006/relationships" xmlns:p="http://schemas.openxmlformats.org/presentationml/2006/main">
-  <p:cSld>
-    <p:spTree>
-      <p:nvGrpSpPr>
-        <p:cNvPr id="1" name=""/>
-        <p:cNvGrpSpPr/>
-        <p:nvPr/>
-      </p:nvGrpSpPr>
-      <p:grpSpPr/>
-      <p:sp>
-        <p:nvSpPr>
-          <p:cNvPr id="2" name="Title 1"/>
-          <p:cNvSpPr>
-            <a:spLocks noGrp="true"/>
-          </p:cNvSpPr>
-          <p:nvPr>
-            <p:ph type="title"/>
-          </p:nvPr>
-        </p:nvSpPr>
-        <p:spPr/>
-        <p:txBody>
-          <a:bodyPr/>
-          <a:p>
-            <a:r>
-              <a:rPr lang="en-US"/>
-              <a:t>Mutual-exclusion example</a:t>
-            </a:r>
-            <a:endParaRPr lang="en-US"/>
-          </a:p>
-        </p:txBody>
-      </p:sp>
-      <p:pic>
-        <p:nvPicPr>
-          <p:cNvPr id="4" name="Content Placeholder 3"/>
-          <p:cNvPicPr>
-            <a:picLocks noChangeAspect="true"/>
-          </p:cNvPicPr>
-          <p:nvPr>
-            <p:ph idx="1"/>
-          </p:nvPr>
-        </p:nvPicPr>
-        <p:blipFill>
-          <a:blip r:embed="rId1"/>
-          <a:stretch>
-            <a:fillRect/>
-          </a:stretch>
-        </p:blipFill>
-        <p:spPr>
-          <a:xfrm>
-            <a:off x="526415" y="1074420"/>
-            <a:ext cx="9705975" cy="2362200"/>
-          </a:xfrm>
-          <a:prstGeom prst="rect">
-            <a:avLst/>
-          </a:prstGeom>
-        </p:spPr>
-      </p:pic>
-      <p:pic>
-        <p:nvPicPr>
-          <p:cNvPr id="6" name="Picture 5"/>
-          <p:cNvPicPr>
-            <a:picLocks noChangeAspect="true"/>
-          </p:cNvPicPr>
-          <p:nvPr/>
-        </p:nvPicPr>
-        <p:blipFill>
-          <a:blip r:embed="rId2"/>
-          <a:stretch>
-            <a:fillRect/>
-          </a:stretch>
-        </p:blipFill>
-        <p:spPr>
-          <a:xfrm>
-            <a:off x="764540" y="3436620"/>
-            <a:ext cx="9467850" cy="552450"/>
-          </a:xfrm>
-          <a:prstGeom prst="rect">
-            <a:avLst/>
-          </a:prstGeom>
-        </p:spPr>
-      </p:pic>
-      <p:pic>
-        <p:nvPicPr>
-          <p:cNvPr id="7" name="Picture 6"/>
-          <p:cNvPicPr>
-            <a:picLocks noChangeAspect="true"/>
-          </p:cNvPicPr>
-          <p:nvPr/>
-        </p:nvPicPr>
-        <p:blipFill>
-          <a:blip r:embed="rId3"/>
-          <a:stretch>
-            <a:fillRect/>
-          </a:stretch>
-        </p:blipFill>
-        <p:spPr>
-          <a:xfrm>
-            <a:off x="764540" y="4064000"/>
-            <a:ext cx="9410700" cy="1304925"/>
-          </a:xfrm>
-          <a:prstGeom prst="rect">
-            <a:avLst/>
-          </a:prstGeom>
-        </p:spPr>
-      </p:pic>
-      <p:sp>
-        <p:nvSpPr>
-          <p:cNvPr id="3" name="Text Box 2"/>
-          <p:cNvSpPr txBox="true"/>
-          <p:nvPr/>
-        </p:nvSpPr>
-        <p:spPr>
-          <a:xfrm>
-            <a:off x="825500" y="5699760"/>
-            <a:ext cx="7816850" cy="368300"/>
-          </a:xfrm>
-          <a:prstGeom prst="rect">
-            <a:avLst/>
-          </a:prstGeom>
-          <a:noFill/>
-        </p:spPr>
-        <p:txBody>
-          <a:bodyPr wrap="square" rtlCol="0">
-            <a:spAutoFit/>
-          </a:bodyPr>
-          <a:p>
-            <a:r>
-              <a:rPr lang="en-US" altLang="en-US"/>
-              <a:t>x=true means critical material is available</a:t>
-            </a:r>
-            <a:endParaRPr lang="en-US" altLang="en-US"/>
-          </a:p>
-        </p:txBody>
-      </p:sp>
     </p:spTree>
   </p:cSld>
   <p:clrMapOvr>
@@ -5164,7 +5949,7 @@
         <a:solidFill>
           <a:schemeClr val="phClr"/>
         </a:solidFill>
-        <a:gradFill rotWithShape="true">
+        <a:gradFill rotWithShape="1">
           <a:gsLst>
             <a:gs pos="0">
               <a:schemeClr val="phClr">
@@ -5188,9 +5973,9 @@
               </a:schemeClr>
             </a:gs>
           </a:gsLst>
-          <a:lin ang="5400000" scaled="false"/>
+          <a:lin ang="5400000" scaled="0"/>
         </a:gradFill>
-        <a:gradFill rotWithShape="true">
+        <a:gradFill rotWithShape="1">
           <a:gsLst>
             <a:gs pos="0">
               <a:schemeClr val="phClr">
@@ -5214,7 +5999,7 @@
               </a:schemeClr>
             </a:gs>
           </a:gsLst>
-          <a:lin ang="5400000" scaled="false"/>
+          <a:lin ang="5400000" scaled="0"/>
         </a:gradFill>
       </a:fillStyleLst>
       <a:lnStyleLst>
@@ -5267,7 +6052,7 @@
             <a:satMod val="170000"/>
           </a:schemeClr>
         </a:solidFill>
-        <a:gradFill rotWithShape="true">
+        <a:gradFill rotWithShape="1">
           <a:gsLst>
             <a:gs pos="0">
               <a:schemeClr val="phClr">
@@ -5292,7 +6077,7 @@
               </a:schemeClr>
             </a:gs>
           </a:gsLst>
-          <a:lin ang="5400000" scaled="false"/>
+          <a:lin ang="5400000" scaled="0"/>
         </a:gradFill>
       </a:bgFillStyleLst>
     </a:fmtScheme>
@@ -5423,7 +6208,7 @@
         <a:solidFill>
           <a:schemeClr val="phClr"/>
         </a:solidFill>
-        <a:gradFill rotWithShape="true">
+        <a:gradFill rotWithShape="1">
           <a:gsLst>
             <a:gs pos="0">
               <a:schemeClr val="phClr">
@@ -5447,9 +6232,9 @@
               </a:schemeClr>
             </a:gs>
           </a:gsLst>
-          <a:lin ang="5400000" scaled="false"/>
+          <a:lin ang="5400000" scaled="0"/>
         </a:gradFill>
-        <a:gradFill rotWithShape="true">
+        <a:gradFill rotWithShape="1">
           <a:gsLst>
             <a:gs pos="0">
               <a:schemeClr val="phClr">
@@ -5473,7 +6258,7 @@
               </a:schemeClr>
             </a:gs>
           </a:gsLst>
-          <a:lin ang="5400000" scaled="false"/>
+          <a:lin ang="5400000" scaled="0"/>
         </a:gradFill>
       </a:fillStyleLst>
       <a:lnStyleLst>
@@ -5526,7 +6311,7 @@
             <a:satMod val="170000"/>
           </a:schemeClr>
         </a:solidFill>
-        <a:gradFill rotWithShape="true">
+        <a:gradFill rotWithShape="1">
           <a:gsLst>
             <a:gs pos="0">
               <a:schemeClr val="phClr">
@@ -5551,7 +6336,7 @@
               </a:schemeClr>
             </a:gs>
           </a:gsLst>
-          <a:lin ang="5400000" scaled="false"/>
+          <a:lin ang="5400000" scaled="0"/>
         </a:gradFill>
       </a:bgFillStyleLst>
     </a:fmtScheme>
@@ -5682,7 +6467,7 @@
         <a:solidFill>
           <a:schemeClr val="phClr"/>
         </a:solidFill>
-        <a:gradFill rotWithShape="true">
+        <a:gradFill rotWithShape="1">
           <a:gsLst>
             <a:gs pos="0">
               <a:schemeClr val="phClr">
@@ -5706,9 +6491,9 @@
               </a:schemeClr>
             </a:gs>
           </a:gsLst>
-          <a:lin ang="5400000" scaled="false"/>
+          <a:lin ang="5400000" scaled="0"/>
         </a:gradFill>
-        <a:gradFill rotWithShape="true">
+        <a:gradFill rotWithShape="1">
           <a:gsLst>
             <a:gs pos="0">
               <a:schemeClr val="phClr">
@@ -5732,7 +6517,7 @@
               </a:schemeClr>
             </a:gs>
           </a:gsLst>
-          <a:lin ang="5400000" scaled="false"/>
+          <a:lin ang="5400000" scaled="0"/>
         </a:gradFill>
       </a:fillStyleLst>
       <a:lnStyleLst>
@@ -5785,7 +6570,7 @@
             <a:satMod val="170000"/>
           </a:schemeClr>
         </a:solidFill>
-        <a:gradFill rotWithShape="true">
+        <a:gradFill rotWithShape="1">
           <a:gsLst>
             <a:gs pos="0">
               <a:schemeClr val="phClr">
@@ -5810,7 +6595,7 @@
               </a:schemeClr>
             </a:gs>
           </a:gsLst>
-          <a:lin ang="5400000" scaled="false"/>
+          <a:lin ang="5400000" scaled="0"/>
         </a:gradFill>
       </a:bgFillStyleLst>
     </a:fmtScheme>

--- a/notes9-paraverifier.pptx
+++ b/notes9-paraverifier.pptx
@@ -5,24 +5,29 @@
     <p:sldMasterId id="2147483648" r:id="rId1"/>
   </p:sldMasterIdLst>
   <p:notesMasterIdLst>
-    <p:notesMasterId r:id="rId15"/>
+    <p:notesMasterId r:id="rId20"/>
   </p:notesMasterIdLst>
   <p:handoutMasterIdLst>
-    <p:handoutMasterId r:id="rId16"/>
+    <p:handoutMasterId r:id="rId21"/>
   </p:handoutMasterIdLst>
   <p:sldIdLst>
     <p:sldId id="256" r:id="rId3"/>
     <p:sldId id="257" r:id="rId4"/>
     <p:sldId id="271" r:id="rId5"/>
     <p:sldId id="272" r:id="rId6"/>
-    <p:sldId id="273" r:id="rId7"/>
-    <p:sldId id="260" r:id="rId8"/>
-    <p:sldId id="261" r:id="rId9"/>
-    <p:sldId id="262" r:id="rId10"/>
-    <p:sldId id="265" r:id="rId11"/>
-    <p:sldId id="268" r:id="rId12"/>
-    <p:sldId id="263" r:id="rId13"/>
-    <p:sldId id="264" r:id="rId14"/>
+    <p:sldId id="282" r:id="rId7"/>
+    <p:sldId id="284" r:id="rId8"/>
+    <p:sldId id="283" r:id="rId9"/>
+    <p:sldId id="285" r:id="rId10"/>
+    <p:sldId id="286" r:id="rId11"/>
+    <p:sldId id="287" r:id="rId12"/>
+    <p:sldId id="273" r:id="rId13"/>
+    <p:sldId id="290" r:id="rId14"/>
+    <p:sldId id="292" r:id="rId15"/>
+    <p:sldId id="289" r:id="rId16"/>
+    <p:sldId id="293" r:id="rId17"/>
+    <p:sldId id="294" r:id="rId18"/>
+    <p:sldId id="295" r:id="rId19"/>
   </p:sldIdLst>
   <p:sldSz cx="12192000" cy="6858000"/>
   <p:notesSz cx="7103745" cy="10234295"/>
@@ -3612,6 +3617,12 @@
         <p:txBody>
           <a:bodyPr/>
           <a:p>
+            <a:r>
+              <a:rPr lang="en-US">
+                <a:sym typeface="+mn-ea"/>
+              </a:rPr>
+              <a:t>Concretize the guarded command</a:t>
+            </a:r>
             <a:endParaRPr lang="en-US"/>
           </a:p>
         </p:txBody>
@@ -3630,10 +3641,49 @@
         <p:txBody>
           <a:bodyPr/>
           <a:p>
-            <a:endParaRPr lang="en-US"/>
-          </a:p>
-        </p:txBody>
-      </p:sp>
+            <a:pPr marL="0" indent="0">
+              <a:buNone/>
+            </a:pPr>
+            <a:r>
+              <a:rPr lang="en-US"/>
+              <a:t>Generally. (</a:t>
+            </a:r>
+            <a:r>
+              <a:rPr lang="en-US" b="1" i="1"/>
+              <a:t>f/req/inv</a:t>
+            </a:r>
+            <a:r>
+              <a:rPr lang="en-US"/>
+              <a:t>)</a:t>
+            </a:r>
+            <a:endParaRPr lang="zh-CN" altLang="en-US" b="1" i="1"/>
+          </a:p>
+        </p:txBody>
+      </p:sp>
+      <p:pic>
+        <p:nvPicPr>
+          <p:cNvPr id="4" name="Picture 3"/>
+          <p:cNvPicPr>
+            <a:picLocks noChangeAspect="1"/>
+          </p:cNvPicPr>
+          <p:nvPr/>
+        </p:nvPicPr>
+        <p:blipFill>
+          <a:blip r:embed="rId1"/>
+          <a:stretch>
+            <a:fillRect/>
+          </a:stretch>
+        </p:blipFill>
+        <p:spPr>
+          <a:xfrm>
+            <a:off x="1189990" y="2247900"/>
+            <a:ext cx="7158355" cy="4013835"/>
+          </a:xfrm>
+          <a:prstGeom prst="rect">
+            <a:avLst/>
+          </a:prstGeom>
+        </p:spPr>
+      </p:pic>
     </p:spTree>
   </p:cSld>
   <p:clrMapOvr>
@@ -3668,112 +3718,342 @@
           <a:p>
             <a:r>
               <a:rPr lang="en-US"/>
-              <a:t>Mutual-exclusion example</a:t>
+              <a:t>Finding Inductive Invariants</a:t>
             </a:r>
             <a:endParaRPr lang="en-US"/>
           </a:p>
         </p:txBody>
       </p:sp>
-      <p:pic>
-        <p:nvPicPr>
-          <p:cNvPr id="4" name="Content Placeholder 3"/>
-          <p:cNvPicPr>
-            <a:picLocks noChangeAspect="1"/>
-          </p:cNvPicPr>
+      <p:sp>
+        <p:nvSpPr>
+          <p:cNvPr id="3" name="Content Placeholder 2"/>
+          <p:cNvSpPr>
+            <a:spLocks noGrp="1"/>
+          </p:cNvSpPr>
           <p:nvPr>
             <p:ph idx="1"/>
           </p:nvPr>
-        </p:nvPicPr>
-        <p:blipFill>
-          <a:blip r:embed="rId1"/>
-          <a:stretch>
-            <a:fillRect/>
-          </a:stretch>
-        </p:blipFill>
-        <p:spPr>
-          <a:xfrm>
-            <a:off x="526415" y="1074420"/>
-            <a:ext cx="9705975" cy="2362200"/>
-          </a:xfrm>
-          <a:prstGeom prst="rect">
-            <a:avLst/>
-          </a:prstGeom>
-        </p:spPr>
-      </p:pic>
-      <p:pic>
-        <p:nvPicPr>
-          <p:cNvPr id="6" name="Picture 5"/>
-          <p:cNvPicPr>
-            <a:picLocks noChangeAspect="1"/>
-          </p:cNvPicPr>
-          <p:nvPr/>
-        </p:nvPicPr>
-        <p:blipFill>
-          <a:blip r:embed="rId2"/>
-          <a:stretch>
-            <a:fillRect/>
-          </a:stretch>
-        </p:blipFill>
-        <p:spPr>
-          <a:xfrm>
-            <a:off x="764540" y="3436620"/>
-            <a:ext cx="9467850" cy="552450"/>
-          </a:xfrm>
-          <a:prstGeom prst="rect">
-            <a:avLst/>
-          </a:prstGeom>
-        </p:spPr>
-      </p:pic>
-      <p:pic>
-        <p:nvPicPr>
-          <p:cNvPr id="7" name="Picture 6"/>
-          <p:cNvPicPr>
-            <a:picLocks noChangeAspect="1"/>
-          </p:cNvPicPr>
-          <p:nvPr/>
-        </p:nvPicPr>
-        <p:blipFill>
-          <a:blip r:embed="rId3"/>
-          <a:stretch>
-            <a:fillRect/>
-          </a:stretch>
-        </p:blipFill>
-        <p:spPr>
-          <a:xfrm>
-            <a:off x="764540" y="4064000"/>
-            <a:ext cx="9410700" cy="1304925"/>
-          </a:xfrm>
-          <a:prstGeom prst="rect">
-            <a:avLst/>
-          </a:prstGeom>
-        </p:spPr>
-      </p:pic>
-      <p:sp>
-        <p:nvSpPr>
-          <p:cNvPr id="3" name="Text Box 2"/>
-          <p:cNvSpPr txBox="1"/>
-          <p:nvPr/>
-        </p:nvSpPr>
-        <p:spPr>
-          <a:xfrm>
-            <a:off x="825500" y="5699760"/>
-            <a:ext cx="7816850" cy="368300"/>
-          </a:xfrm>
-          <a:prstGeom prst="rect">
-            <a:avLst/>
-          </a:prstGeom>
-          <a:noFill/>
-        </p:spPr>
-        <p:txBody>
-          <a:bodyPr wrap="square" rtlCol="0">
-            <a:spAutoFit/>
-          </a:bodyPr>
-          <a:p>
-            <a:r>
-              <a:rPr lang="en-US" altLang="en-US"/>
-              <a:t>x=true means critical material is available</a:t>
-            </a:r>
-            <a:endParaRPr lang="en-US" altLang="en-US"/>
+        </p:nvSpPr>
+        <p:spPr/>
+        <p:txBody>
+          <a:bodyPr/>
+          <a:p>
+            <a:r>
+              <a:rPr lang="en-US"/>
+              <a:t>“for each </a:t>
+            </a:r>
+            <a:r>
+              <a:rPr lang="en-US" b="1" i="1"/>
+              <a:t>r</a:t>
+            </a:r>
+            <a:r>
+              <a:rPr lang="en-US">
+                <a:latin typeface="宋体" panose="02010600030101010101" pitchFamily="2" charset="-122"/>
+                <a:ea typeface="宋体" panose="02010600030101010101" pitchFamily="2" charset="-122"/>
+              </a:rPr>
+              <a:t>∈</a:t>
+            </a:r>
+            <a:r>
+              <a:rPr lang="en-US"/>
+              <a:t> </a:t>
+            </a:r>
+            <a:r>
+              <a:rPr lang="en-US" b="1" i="1"/>
+              <a:t>R</a:t>
+            </a:r>
+            <a:r>
+              <a:rPr lang="en-US"/>
+              <a:t>, we have </a:t>
+            </a:r>
+            <a:r>
+              <a:rPr lang="en-US">
+                <a:latin typeface="宋体" panose="02010600030101010101" pitchFamily="2" charset="-122"/>
+                <a:ea typeface="宋体" panose="02010600030101010101" pitchFamily="2" charset="-122"/>
+              </a:rPr>
+              <a:t>╞</a:t>
+            </a:r>
+            <a:r>
+              <a:rPr lang="en-US" b="1" i="1"/>
+              <a:t>inv</a:t>
+            </a:r>
+            <a:r>
+              <a:rPr lang="en-US">
+                <a:latin typeface="宋体" panose="02010600030101010101" pitchFamily="2" charset="-122"/>
+                <a:ea typeface="宋体" panose="02010600030101010101" pitchFamily="2" charset="-122"/>
+              </a:rPr>
+              <a:t>∧</a:t>
+            </a:r>
+            <a:r>
+              <a:rPr lang="en-US" b="1" i="1"/>
+              <a:t>guard(r)</a:t>
+            </a:r>
+            <a:r>
+              <a:rPr lang="en-US"/>
+              <a:t> </a:t>
+            </a:r>
+            <a:r>
+              <a:rPr lang="en-US">
+                <a:latin typeface="Arial" panose="020B0604020202020204" pitchFamily="34" charset="0"/>
+                <a:cs typeface="Arial" panose="020B0604020202020204" pitchFamily="34" charset="0"/>
+              </a:rPr>
+              <a:t>→</a:t>
+            </a:r>
+            <a:r>
+              <a:rPr lang="en-US" b="1" i="1"/>
+              <a:t>WP(action(r), inv) </a:t>
+            </a:r>
+            <a:r>
+              <a:rPr lang="en-US"/>
+              <a:t>”</a:t>
+            </a:r>
+            <a:endParaRPr lang="en-US" b="1" i="1"/>
+          </a:p>
+          <a:p>
+            <a:r>
+              <a:rPr lang="en-US"/>
+              <a:t>We distinguish the following three cases:</a:t>
+            </a:r>
+            <a:endParaRPr lang="en-US"/>
+          </a:p>
+          <a:p>
+            <a:pPr marL="800100" lvl="1" indent="-342900">
+              <a:buAutoNum type="arabicPeriod"/>
+            </a:pPr>
+            <a:r>
+              <a:rPr lang="en-US">
+                <a:latin typeface="宋体" panose="02010600030101010101" pitchFamily="2" charset="-122"/>
+                <a:ea typeface="宋体" panose="02010600030101010101" pitchFamily="2" charset="-122"/>
+                <a:sym typeface="+mn-ea"/>
+              </a:rPr>
+              <a:t>╞</a:t>
+            </a:r>
+            <a:r>
+              <a:rPr lang="en-US" b="1" i="1">
+                <a:sym typeface="+mn-ea"/>
+              </a:rPr>
+              <a:t>guard(r)</a:t>
+            </a:r>
+            <a:r>
+              <a:rPr lang="en-US">
+                <a:sym typeface="+mn-ea"/>
+              </a:rPr>
+              <a:t> </a:t>
+            </a:r>
+            <a:r>
+              <a:rPr lang="en-US">
+                <a:latin typeface="Arial" panose="020B0604020202020204" pitchFamily="34" charset="0"/>
+                <a:cs typeface="Arial" panose="020B0604020202020204" pitchFamily="34" charset="0"/>
+                <a:sym typeface="+mn-ea"/>
+              </a:rPr>
+              <a:t>→</a:t>
+            </a:r>
+            <a:r>
+              <a:rPr lang="en-US" b="1" i="1">
+                <a:sym typeface="+mn-ea"/>
+              </a:rPr>
+              <a:t>WP(action(r), inv) </a:t>
+            </a:r>
+            <a:r>
+              <a:rPr lang="en-US">
+                <a:sym typeface="+mn-ea"/>
+              </a:rPr>
+              <a:t>: precondition </a:t>
+            </a:r>
+            <a:r>
+              <a:rPr lang="en-US" b="1" i="1">
+                <a:sym typeface="+mn-ea"/>
+              </a:rPr>
+              <a:t>inv </a:t>
+            </a:r>
+            <a:r>
+              <a:rPr lang="en-US">
+                <a:sym typeface="+mn-ea"/>
+              </a:rPr>
+              <a:t>not needed</a:t>
+            </a:r>
+            <a:endParaRPr lang="en-US">
+              <a:sym typeface="+mn-ea"/>
+            </a:endParaRPr>
+          </a:p>
+          <a:p>
+            <a:pPr marL="800100" lvl="1" indent="-342900">
+              <a:buAutoNum type="arabicPeriod"/>
+            </a:pPr>
+            <a:r>
+              <a:rPr lang="en-US">
+                <a:latin typeface="宋体" panose="02010600030101010101" pitchFamily="2" charset="-122"/>
+                <a:ea typeface="宋体" panose="02010600030101010101" pitchFamily="2" charset="-122"/>
+                <a:sym typeface="+mn-ea"/>
+              </a:rPr>
+              <a:t>╞</a:t>
+            </a:r>
+            <a:r>
+              <a:rPr lang="en-US" b="1" i="1">
+                <a:sym typeface="+mn-ea"/>
+              </a:rPr>
+              <a:t>inv</a:t>
+            </a:r>
+            <a:r>
+              <a:rPr lang="en-US">
+                <a:sym typeface="+mn-ea"/>
+              </a:rPr>
+              <a:t> </a:t>
+            </a:r>
+            <a:r>
+              <a:rPr lang="en-US">
+                <a:latin typeface="Arial" panose="020B0604020202020204" pitchFamily="34" charset="0"/>
+                <a:cs typeface="Arial" panose="020B0604020202020204" pitchFamily="34" charset="0"/>
+                <a:sym typeface="+mn-ea"/>
+              </a:rPr>
+              <a:t>→</a:t>
+            </a:r>
+            <a:r>
+              <a:rPr lang="en-US" b="1" i="1">
+                <a:sym typeface="+mn-ea"/>
+              </a:rPr>
+              <a:t>WP(action(r), inv) </a:t>
+            </a:r>
+            <a:r>
+              <a:rPr lang="en-US">
+                <a:sym typeface="+mn-ea"/>
+              </a:rPr>
+              <a:t>: guard not needed</a:t>
+            </a:r>
+            <a:endParaRPr lang="en-US">
+              <a:sym typeface="+mn-ea"/>
+            </a:endParaRPr>
+          </a:p>
+          <a:p>
+            <a:pPr marL="800100" lvl="1" indent="-342900">
+              <a:buAutoNum type="arabicPeriod"/>
+            </a:pPr>
+            <a:r>
+              <a:rPr lang="en-US">
+                <a:latin typeface="宋体" panose="02010600030101010101" pitchFamily="2" charset="-122"/>
+                <a:ea typeface="宋体" panose="02010600030101010101" pitchFamily="2" charset="-122"/>
+                <a:sym typeface="+mn-ea"/>
+              </a:rPr>
+              <a:t>╞</a:t>
+            </a:r>
+            <a:r>
+              <a:rPr lang="en-US" b="1" i="1">
+                <a:sym typeface="+mn-ea"/>
+              </a:rPr>
+              <a:t>inv</a:t>
+            </a:r>
+            <a:r>
+              <a:rPr lang="en-US">
+                <a:latin typeface="宋体" panose="02010600030101010101" pitchFamily="2" charset="-122"/>
+                <a:ea typeface="宋体" panose="02010600030101010101" pitchFamily="2" charset="-122"/>
+                <a:sym typeface="+mn-ea"/>
+              </a:rPr>
+              <a:t>∧</a:t>
+            </a:r>
+            <a:r>
+              <a:rPr lang="en-US" b="1" i="1">
+                <a:sym typeface="+mn-ea"/>
+              </a:rPr>
+              <a:t>guard(r)</a:t>
+            </a:r>
+            <a:r>
+              <a:rPr lang="en-US">
+                <a:latin typeface="宋体" panose="02010600030101010101" pitchFamily="2" charset="-122"/>
+                <a:ea typeface="宋体" panose="02010600030101010101" pitchFamily="2" charset="-122"/>
+                <a:sym typeface="+mn-ea"/>
+              </a:rPr>
+              <a:t>∧</a:t>
+            </a:r>
+            <a:r>
+              <a:rPr lang="en-US" sz="2000" b="1" i="1">
+                <a:sym typeface="+mn-ea"/>
+              </a:rPr>
+              <a:t>inv'</a:t>
+            </a:r>
+            <a:r>
+              <a:rPr lang="en-US" b="1" i="1">
+                <a:sym typeface="+mn-ea"/>
+              </a:rPr>
+              <a:t> </a:t>
+            </a:r>
+            <a:r>
+              <a:rPr lang="en-US">
+                <a:latin typeface="Arial" panose="020B0604020202020204" pitchFamily="34" charset="0"/>
+                <a:cs typeface="Arial" panose="020B0604020202020204" pitchFamily="34" charset="0"/>
+                <a:sym typeface="+mn-ea"/>
+              </a:rPr>
+              <a:t>→</a:t>
+            </a:r>
+            <a:r>
+              <a:rPr lang="en-US" b="1" i="1">
+                <a:sym typeface="+mn-ea"/>
+              </a:rPr>
+              <a:t>WP(action(r), inv) </a:t>
+            </a:r>
+            <a:r>
+              <a:rPr lang="en-US">
+                <a:sym typeface="+mn-ea"/>
+              </a:rPr>
+              <a:t>:strengthening </a:t>
+            </a:r>
+            <a:r>
+              <a:rPr lang="en-US" b="1" i="1">
+                <a:sym typeface="+mn-ea"/>
+              </a:rPr>
+              <a:t>inv' </a:t>
+            </a:r>
+            <a:r>
+              <a:rPr lang="en-US">
+                <a:sym typeface="+mn-ea"/>
+              </a:rPr>
+              <a:t>needed</a:t>
+            </a:r>
+            <a:endParaRPr lang="en-US">
+              <a:sym typeface="+mn-ea"/>
+            </a:endParaRPr>
+          </a:p>
+          <a:p>
+            <a:pPr lvl="0"/>
+            <a:r>
+              <a:rPr lang="en-US">
+                <a:sym typeface="+mn-ea"/>
+              </a:rPr>
+              <a:t>Key Point</a:t>
+            </a:r>
+            <a:endParaRPr lang="en-US">
+              <a:sym typeface="+mn-ea"/>
+            </a:endParaRPr>
+          </a:p>
+          <a:p>
+            <a:pPr lvl="1"/>
+            <a:r>
+              <a:rPr lang="en-US">
+                <a:sym typeface="+mn-ea"/>
+              </a:rPr>
+              <a:t>find all the invariants and they relations (such as </a:t>
+            </a:r>
+            <a:r>
+              <a:rPr lang="en-US" b="1" i="1">
+                <a:sym typeface="+mn-ea"/>
+              </a:rPr>
+              <a:t>inv' -&gt; inv</a:t>
+            </a:r>
+            <a:r>
+              <a:rPr lang="en-US">
+                <a:sym typeface="+mn-ea"/>
+              </a:rPr>
+              <a:t> aboved) in case 3</a:t>
+            </a:r>
+            <a:endParaRPr lang="en-US">
+              <a:sym typeface="+mn-ea"/>
+            </a:endParaRPr>
+          </a:p>
+          <a:p>
+            <a:pPr marL="800100" lvl="1" indent="-342900">
+              <a:buAutoNum type="arabicPeriod"/>
+            </a:pPr>
+            <a:endParaRPr lang="en-US">
+              <a:sym typeface="+mn-ea"/>
+            </a:endParaRPr>
           </a:p>
         </p:txBody>
       </p:sp>
@@ -3805,24 +4085,14 @@
             <p:ph type="title"/>
           </p:nvPr>
         </p:nvSpPr>
-        <p:spPr>
-          <a:xfrm>
-            <a:off x="647700" y="258445"/>
-            <a:ext cx="10515600" cy="1238250"/>
-          </a:xfrm>
-        </p:spPr>
+        <p:spPr/>
         <p:txBody>
           <a:bodyPr/>
           <a:p>
             <a:r>
-              <a:rPr lang="en-US">
-                <a:sym typeface="+mn-ea"/>
-              </a:rPr>
-              <a:t>Mutual-exclusion example</a:t>
-            </a:r>
-            <a:br>
-              <a:rPr lang="en-US"/>
-            </a:br>
+              <a:rPr lang="en-US"/>
+              <a:t>Finding Inductive Invariants</a:t>
+            </a:r>
             <a:endParaRPr lang="en-US"/>
           </a:p>
         </p:txBody>
@@ -3837,117 +4107,774 @@
             <p:ph idx="1"/>
           </p:nvPr>
         </p:nvSpPr>
-        <p:spPr>
-          <a:xfrm>
-            <a:off x="765810" y="1068070"/>
-            <a:ext cx="10515600" cy="5207000"/>
-          </a:xfrm>
-        </p:spPr>
+        <p:spPr/>
         <p:txBody>
           <a:bodyPr/>
           <a:p>
             <a:r>
               <a:rPr lang="en-US"/>
-              <a:t>Let us define a set of auxiliary invariants</a:t>
+              <a:t>“for each </a:t>
+            </a:r>
+            <a:r>
+              <a:rPr lang="en-US" b="1" i="1"/>
+              <a:t>r</a:t>
+            </a:r>
+            <a:r>
+              <a:rPr lang="en-US">
+                <a:latin typeface="宋体" panose="02010600030101010101" pitchFamily="2" charset="-122"/>
+                <a:ea typeface="宋体" panose="02010600030101010101" pitchFamily="2" charset="-122"/>
+              </a:rPr>
+              <a:t>∈</a:t>
+            </a:r>
+            <a:r>
+              <a:rPr lang="en-US"/>
+              <a:t> </a:t>
+            </a:r>
+            <a:r>
+              <a:rPr lang="en-US" b="1" i="1"/>
+              <a:t>R</a:t>
+            </a:r>
+            <a:r>
+              <a:rPr lang="en-US"/>
+              <a:t>, we have </a:t>
+            </a:r>
+            <a:r>
+              <a:rPr lang="en-US">
+                <a:latin typeface="宋体" panose="02010600030101010101" pitchFamily="2" charset="-122"/>
+                <a:ea typeface="宋体" panose="02010600030101010101" pitchFamily="2" charset="-122"/>
+              </a:rPr>
+              <a:t>╞</a:t>
+            </a:r>
+            <a:r>
+              <a:rPr lang="en-US" b="1" i="1"/>
+              <a:t>inv</a:t>
+            </a:r>
+            <a:r>
+              <a:rPr lang="en-US">
+                <a:latin typeface="宋体" panose="02010600030101010101" pitchFamily="2" charset="-122"/>
+                <a:ea typeface="宋体" panose="02010600030101010101" pitchFamily="2" charset="-122"/>
+              </a:rPr>
+              <a:t>∧</a:t>
+            </a:r>
+            <a:r>
+              <a:rPr lang="en-US" b="1" i="1"/>
+              <a:t>guard(r)</a:t>
+            </a:r>
+            <a:r>
+              <a:rPr lang="en-US"/>
+              <a:t> </a:t>
+            </a:r>
+            <a:r>
+              <a:rPr lang="en-US">
+                <a:latin typeface="Arial" panose="020B0604020202020204" pitchFamily="34" charset="0"/>
+                <a:cs typeface="Arial" panose="020B0604020202020204" pitchFamily="34" charset="0"/>
+              </a:rPr>
+              <a:t>→</a:t>
+            </a:r>
+            <a:r>
+              <a:rPr lang="en-US" b="1" i="1"/>
+              <a:t>WP(action(r), inv) </a:t>
+            </a:r>
+            <a:r>
+              <a:rPr lang="en-US"/>
+              <a:t>”</a:t>
+            </a:r>
+            <a:endParaRPr lang="en-US" b="1" i="1"/>
+          </a:p>
+          <a:p>
+            <a:r>
+              <a:rPr lang="en-US"/>
+              <a:t>We distinguish the following three cases:</a:t>
             </a:r>
             <a:endParaRPr lang="en-US"/>
           </a:p>
           <a:p>
+            <a:pPr marL="800100" lvl="1" indent="-342900">
+              <a:buAutoNum type="arabicPeriod"/>
+            </a:pPr>
+            <a:r>
+              <a:rPr lang="en-US">
+                <a:latin typeface="宋体" panose="02010600030101010101" pitchFamily="2" charset="-122"/>
+                <a:ea typeface="宋体" panose="02010600030101010101" pitchFamily="2" charset="-122"/>
+                <a:sym typeface="+mn-ea"/>
+              </a:rPr>
+              <a:t>╞</a:t>
+            </a:r>
+            <a:r>
+              <a:rPr lang="en-US" b="1" i="1">
+                <a:sym typeface="+mn-ea"/>
+              </a:rPr>
+              <a:t>guard(r)</a:t>
+            </a:r>
+            <a:r>
+              <a:rPr lang="en-US">
+                <a:sym typeface="+mn-ea"/>
+              </a:rPr>
+              <a:t> </a:t>
+            </a:r>
+            <a:r>
+              <a:rPr lang="en-US">
+                <a:latin typeface="Arial" panose="020B0604020202020204" pitchFamily="34" charset="0"/>
+                <a:cs typeface="Arial" panose="020B0604020202020204" pitchFamily="34" charset="0"/>
+                <a:sym typeface="+mn-ea"/>
+              </a:rPr>
+              <a:t>→</a:t>
+            </a:r>
+            <a:r>
+              <a:rPr lang="en-US" b="1" i="1">
+                <a:sym typeface="+mn-ea"/>
+              </a:rPr>
+              <a:t>WP(action(r), inv) </a:t>
+            </a:r>
+            <a:r>
+              <a:rPr lang="en-US">
+                <a:sym typeface="+mn-ea"/>
+              </a:rPr>
+              <a:t>: precondition </a:t>
+            </a:r>
+            <a:r>
+              <a:rPr lang="en-US" b="1" i="1">
+                <a:sym typeface="+mn-ea"/>
+              </a:rPr>
+              <a:t>inv </a:t>
+            </a:r>
+            <a:r>
+              <a:rPr lang="en-US">
+                <a:sym typeface="+mn-ea"/>
+              </a:rPr>
+              <a:t>not needed</a:t>
+            </a:r>
+            <a:endParaRPr lang="en-US">
+              <a:sym typeface="+mn-ea"/>
+            </a:endParaRPr>
+          </a:p>
+          <a:p>
+            <a:pPr marL="800100" lvl="1" indent="-342900">
+              <a:buAutoNum type="arabicPeriod"/>
+            </a:pPr>
+            <a:r>
+              <a:rPr lang="en-US">
+                <a:latin typeface="宋体" panose="02010600030101010101" pitchFamily="2" charset="-122"/>
+                <a:ea typeface="宋体" panose="02010600030101010101" pitchFamily="2" charset="-122"/>
+                <a:sym typeface="+mn-ea"/>
+              </a:rPr>
+              <a:t>╞</a:t>
+            </a:r>
+            <a:r>
+              <a:rPr lang="en-US" b="1" i="1">
+                <a:sym typeface="+mn-ea"/>
+              </a:rPr>
+              <a:t>inv</a:t>
+            </a:r>
+            <a:r>
+              <a:rPr lang="en-US">
+                <a:sym typeface="+mn-ea"/>
+              </a:rPr>
+              <a:t> </a:t>
+            </a:r>
+            <a:r>
+              <a:rPr lang="en-US">
+                <a:latin typeface="Arial" panose="020B0604020202020204" pitchFamily="34" charset="0"/>
+                <a:cs typeface="Arial" panose="020B0604020202020204" pitchFamily="34" charset="0"/>
+                <a:sym typeface="+mn-ea"/>
+              </a:rPr>
+              <a:t>→</a:t>
+            </a:r>
+            <a:r>
+              <a:rPr lang="en-US" b="1" i="1">
+                <a:sym typeface="+mn-ea"/>
+              </a:rPr>
+              <a:t>WP(action(r), inv) </a:t>
+            </a:r>
+            <a:r>
+              <a:rPr lang="en-US">
+                <a:sym typeface="+mn-ea"/>
+              </a:rPr>
+              <a:t>: guard not needed</a:t>
+            </a:r>
+            <a:endParaRPr lang="en-US">
+              <a:sym typeface="+mn-ea"/>
+            </a:endParaRPr>
+          </a:p>
+          <a:p>
+            <a:pPr marL="800100" lvl="1" indent="-342900">
+              <a:buAutoNum type="arabicPeriod"/>
+            </a:pPr>
+            <a:r>
+              <a:rPr lang="en-US">
+                <a:latin typeface="宋体" panose="02010600030101010101" pitchFamily="2" charset="-122"/>
+                <a:ea typeface="宋体" panose="02010600030101010101" pitchFamily="2" charset="-122"/>
+                <a:sym typeface="+mn-ea"/>
+              </a:rPr>
+              <a:t>╞</a:t>
+            </a:r>
+            <a:r>
+              <a:rPr lang="en-US" b="1" i="1">
+                <a:sym typeface="+mn-ea"/>
+              </a:rPr>
+              <a:t>inv</a:t>
+            </a:r>
+            <a:r>
+              <a:rPr lang="en-US">
+                <a:latin typeface="宋体" panose="02010600030101010101" pitchFamily="2" charset="-122"/>
+                <a:ea typeface="宋体" panose="02010600030101010101" pitchFamily="2" charset="-122"/>
+                <a:sym typeface="+mn-ea"/>
+              </a:rPr>
+              <a:t>∧</a:t>
+            </a:r>
+            <a:r>
+              <a:rPr lang="en-US" b="1" i="1">
+                <a:sym typeface="+mn-ea"/>
+              </a:rPr>
+              <a:t>guard(r)</a:t>
+            </a:r>
+            <a:r>
+              <a:rPr lang="en-US">
+                <a:latin typeface="宋体" panose="02010600030101010101" pitchFamily="2" charset="-122"/>
+                <a:ea typeface="宋体" panose="02010600030101010101" pitchFamily="2" charset="-122"/>
+                <a:sym typeface="+mn-ea"/>
+              </a:rPr>
+              <a:t>∧</a:t>
+            </a:r>
+            <a:r>
+              <a:rPr lang="en-US" sz="2000" b="1" i="1">
+                <a:sym typeface="+mn-ea"/>
+              </a:rPr>
+              <a:t>inv'</a:t>
+            </a:r>
+            <a:r>
+              <a:rPr lang="en-US" b="1" i="1">
+                <a:sym typeface="+mn-ea"/>
+              </a:rPr>
+              <a:t> </a:t>
+            </a:r>
+            <a:r>
+              <a:rPr lang="en-US">
+                <a:latin typeface="Arial" panose="020B0604020202020204" pitchFamily="34" charset="0"/>
+                <a:cs typeface="Arial" panose="020B0604020202020204" pitchFamily="34" charset="0"/>
+                <a:sym typeface="+mn-ea"/>
+              </a:rPr>
+              <a:t>→</a:t>
+            </a:r>
+            <a:r>
+              <a:rPr lang="en-US" b="1" i="1">
+                <a:sym typeface="+mn-ea"/>
+              </a:rPr>
+              <a:t>WP(action(r), inv) </a:t>
+            </a:r>
+            <a:r>
+              <a:rPr lang="en-US">
+                <a:sym typeface="+mn-ea"/>
+              </a:rPr>
+              <a:t>:strengthening </a:t>
+            </a:r>
+            <a:r>
+              <a:rPr lang="en-US" b="1" i="1">
+                <a:sym typeface="+mn-ea"/>
+              </a:rPr>
+              <a:t>inv' </a:t>
+            </a:r>
+            <a:r>
+              <a:rPr lang="en-US">
+                <a:sym typeface="+mn-ea"/>
+              </a:rPr>
+              <a:t>needed</a:t>
+            </a:r>
+            <a:endParaRPr lang="en-US">
+              <a:sym typeface="+mn-ea"/>
+            </a:endParaRPr>
+          </a:p>
+          <a:p>
+            <a:pPr lvl="0"/>
+            <a:r>
+              <a:rPr lang="en-US">
+                <a:sym typeface="+mn-ea"/>
+              </a:rPr>
+              <a:t>For concretized </a:t>
+            </a:r>
+            <a:r>
+              <a:rPr lang="en-US" b="1" i="1">
+                <a:sym typeface="+mn-ea"/>
+              </a:rPr>
+              <a:t>m(inv)</a:t>
+            </a:r>
+            <a:r>
+              <a:rPr lang="en-US">
+                <a:sym typeface="+mn-ea"/>
+              </a:rPr>
+              <a:t> and </a:t>
+            </a:r>
+            <a:r>
+              <a:rPr lang="en-US" b="1" i="1">
+                <a:sym typeface="+mn-ea"/>
+              </a:rPr>
+              <a:t>m'(r)</a:t>
+            </a:r>
+            <a:r>
+              <a:rPr lang="en-US">
+                <a:sym typeface="+mn-ea"/>
+              </a:rPr>
+              <a:t>, which is </a:t>
+            </a:r>
+            <a:r>
+              <a:rPr lang="en-US" b="1" i="1">
+                <a:sym typeface="+mn-ea"/>
+              </a:rPr>
+              <a:t>m'(g)</a:t>
+            </a:r>
+            <a:r>
+              <a:rPr lang="en-US" b="1" i="1">
+                <a:latin typeface="Arial" panose="020B0604020202020204" pitchFamily="34" charset="0"/>
+                <a:cs typeface="Arial" panose="020B0604020202020204" pitchFamily="34" charset="0"/>
+                <a:sym typeface="+mn-ea"/>
+              </a:rPr>
+              <a:t>→m'(S)</a:t>
+            </a:r>
+            <a:r>
+              <a:rPr lang="en-US">
+                <a:latin typeface="Arial" panose="020B0604020202020204" pitchFamily="34" charset="0"/>
+                <a:cs typeface="Arial" panose="020B0604020202020204" pitchFamily="34" charset="0"/>
+                <a:sym typeface="+mn-ea"/>
+              </a:rPr>
+              <a:t>, we use </a:t>
+            </a:r>
+            <a:r>
+              <a:rPr lang="en-US" b="1" i="1">
+                <a:latin typeface="Arial" panose="020B0604020202020204" pitchFamily="34" charset="0"/>
+                <a:cs typeface="Arial" panose="020B0604020202020204" pitchFamily="34" charset="0"/>
+                <a:sym typeface="+mn-ea"/>
+              </a:rPr>
+              <a:t>m(f), m'(g), m'(S) </a:t>
+            </a:r>
+            <a:r>
+              <a:rPr lang="en-US">
+                <a:latin typeface="Arial" panose="020B0604020202020204" pitchFamily="34" charset="0"/>
+                <a:cs typeface="Arial" panose="020B0604020202020204" pitchFamily="34" charset="0"/>
+                <a:sym typeface="+mn-ea"/>
+              </a:rPr>
+              <a:t>accordingly</a:t>
+            </a:r>
+            <a:endParaRPr lang="en-US">
+              <a:latin typeface="Arial" panose="020B0604020202020204" pitchFamily="34" charset="0"/>
+              <a:cs typeface="Arial" panose="020B0604020202020204" pitchFamily="34" charset="0"/>
+              <a:sym typeface="+mn-ea"/>
+            </a:endParaRPr>
+          </a:p>
+          <a:p>
+            <a:pPr marL="0" lvl="1" indent="-342900">
+              <a:buAutoNum type="arabicPeriod"/>
+            </a:pPr>
+            <a:r>
+              <a:rPr lang="en-US">
+                <a:latin typeface="宋体" panose="02010600030101010101" pitchFamily="2" charset="-122"/>
+                <a:ea typeface="宋体" panose="02010600030101010101" pitchFamily="2" charset="-122"/>
+                <a:cs typeface="Arial" panose="020B0604020202020204" pitchFamily="34" charset="0"/>
+                <a:sym typeface="+mn-ea"/>
+              </a:rPr>
+              <a:t>╞</a:t>
+            </a:r>
+            <a:r>
+              <a:rPr lang="en-US" b="1" i="1">
+                <a:sym typeface="+mn-ea"/>
+              </a:rPr>
+              <a:t>m'(g)</a:t>
+            </a:r>
+            <a:r>
+              <a:rPr lang="en-US" b="1" i="1">
+                <a:latin typeface="Arial" panose="020B0604020202020204" pitchFamily="34" charset="0"/>
+                <a:cs typeface="Arial" panose="020B0604020202020204" pitchFamily="34" charset="0"/>
+                <a:sym typeface="+mn-ea"/>
+              </a:rPr>
+              <a:t>→</a:t>
+            </a:r>
+            <a:r>
+              <a:rPr lang="en-US" b="1" i="1">
+                <a:sym typeface="+mn-ea"/>
+              </a:rPr>
+              <a:t>WP(m'(S), inv) </a:t>
+            </a:r>
+            <a:r>
+              <a:rPr lang="en-US">
+                <a:sym typeface="+mn-ea"/>
+              </a:rPr>
+              <a:t>: precondition </a:t>
+            </a:r>
+            <a:r>
+              <a:rPr lang="en-US" b="1" i="1">
+                <a:sym typeface="+mn-ea"/>
+              </a:rPr>
+              <a:t>m(inv) </a:t>
+            </a:r>
+            <a:r>
+              <a:rPr lang="en-US">
+                <a:sym typeface="+mn-ea"/>
+              </a:rPr>
+              <a:t>not needed</a:t>
+            </a:r>
+            <a:endParaRPr lang="en-US">
+              <a:sym typeface="+mn-ea"/>
+            </a:endParaRPr>
+          </a:p>
+          <a:p>
+            <a:pPr marL="0" lvl="1" indent="-342900">
+              <a:buAutoNum type="arabicPeriod"/>
+            </a:pPr>
+            <a:r>
+              <a:rPr lang="en-US">
+                <a:latin typeface="宋体" panose="02010600030101010101" pitchFamily="2" charset="-122"/>
+                <a:ea typeface="宋体" panose="02010600030101010101" pitchFamily="2" charset="-122"/>
+                <a:sym typeface="+mn-ea"/>
+              </a:rPr>
+              <a:t>╞</a:t>
+            </a:r>
+            <a:r>
+              <a:rPr lang="en-US" b="1" i="1">
+                <a:sym typeface="+mn-ea"/>
+              </a:rPr>
+              <a:t>m(inv)</a:t>
+            </a:r>
+            <a:r>
+              <a:rPr lang="en-US">
+                <a:latin typeface="Arial" panose="020B0604020202020204" pitchFamily="34" charset="0"/>
+                <a:cs typeface="Arial" panose="020B0604020202020204" pitchFamily="34" charset="0"/>
+                <a:sym typeface="+mn-ea"/>
+              </a:rPr>
+              <a:t>→</a:t>
+            </a:r>
+            <a:r>
+              <a:rPr lang="en-US" b="1" i="1">
+                <a:sym typeface="+mn-ea"/>
+              </a:rPr>
+              <a:t>WP(m'(S), inv) </a:t>
+            </a:r>
+            <a:r>
+              <a:rPr lang="en-US">
+                <a:sym typeface="+mn-ea"/>
+              </a:rPr>
+              <a:t>: guard not needed</a:t>
+            </a:r>
+            <a:endParaRPr lang="en-US">
+              <a:sym typeface="+mn-ea"/>
+            </a:endParaRPr>
+          </a:p>
+          <a:p>
+            <a:pPr marL="0" lvl="1" indent="-342900">
+              <a:buAutoNum type="arabicPeriod"/>
+            </a:pPr>
+            <a:r>
+              <a:rPr lang="en-US">
+                <a:latin typeface="宋体" panose="02010600030101010101" pitchFamily="2" charset="-122"/>
+                <a:ea typeface="宋体" panose="02010600030101010101" pitchFamily="2" charset="-122"/>
+                <a:sym typeface="+mn-ea"/>
+              </a:rPr>
+              <a:t>╞</a:t>
+            </a:r>
+            <a:r>
+              <a:rPr lang="en-US" b="1" i="1">
+                <a:sym typeface="+mn-ea"/>
+              </a:rPr>
+              <a:t>m(inv)</a:t>
+            </a:r>
+            <a:r>
+              <a:rPr lang="en-US">
+                <a:latin typeface="宋体" panose="02010600030101010101" pitchFamily="2" charset="-122"/>
+                <a:ea typeface="宋体" panose="02010600030101010101" pitchFamily="2" charset="-122"/>
+                <a:sym typeface="+mn-ea"/>
+              </a:rPr>
+              <a:t>∧</a:t>
+            </a:r>
+            <a:r>
+              <a:rPr lang="en-US" b="1" i="1">
+                <a:latin typeface="Arial" panose="020B0604020202020204" pitchFamily="34" charset="0"/>
+                <a:cs typeface="Arial" panose="020B0604020202020204" pitchFamily="34" charset="0"/>
+                <a:sym typeface="+mn-ea"/>
+              </a:rPr>
+              <a:t>m'(g)</a:t>
+            </a:r>
+            <a:r>
+              <a:rPr lang="en-US">
+                <a:latin typeface="宋体" panose="02010600030101010101" pitchFamily="2" charset="-122"/>
+                <a:ea typeface="宋体" panose="02010600030101010101" pitchFamily="2" charset="-122"/>
+                <a:sym typeface="+mn-ea"/>
+              </a:rPr>
+              <a:t>∧</a:t>
+            </a:r>
+            <a:r>
+              <a:rPr lang="en-US" b="1" i="1">
+                <a:sym typeface="+mn-ea"/>
+              </a:rPr>
+              <a:t>inv' </a:t>
+            </a:r>
+            <a:r>
+              <a:rPr lang="en-US">
+                <a:latin typeface="Arial" panose="020B0604020202020204" pitchFamily="34" charset="0"/>
+                <a:cs typeface="Arial" panose="020B0604020202020204" pitchFamily="34" charset="0"/>
+                <a:sym typeface="+mn-ea"/>
+              </a:rPr>
+              <a:t>→</a:t>
+            </a:r>
+            <a:r>
+              <a:rPr lang="en-US" b="1" i="1">
+                <a:sym typeface="+mn-ea"/>
+              </a:rPr>
+              <a:t>WP(m'(S), m(inv)) </a:t>
+            </a:r>
+            <a:r>
+              <a:rPr lang="en-US">
+                <a:sym typeface="+mn-ea"/>
+              </a:rPr>
+              <a:t>:strengthening </a:t>
+            </a:r>
+            <a:r>
+              <a:rPr lang="en-US" b="1" i="1">
+                <a:sym typeface="+mn-ea"/>
+              </a:rPr>
+              <a:t>inv' </a:t>
+            </a:r>
+            <a:r>
+              <a:rPr lang="en-US">
+                <a:sym typeface="+mn-ea"/>
+              </a:rPr>
+              <a:t>needed</a:t>
+            </a:r>
+            <a:endParaRPr lang="en-US">
+              <a:sym typeface="+mn-ea"/>
+            </a:endParaRPr>
+          </a:p>
+          <a:p>
+            <a:pPr marL="800100" lvl="1" indent="-342900">
+              <a:buAutoNum type="arabicPeriod"/>
+            </a:pPr>
+            <a:endParaRPr lang="en-US">
+              <a:latin typeface="宋体" panose="02010600030101010101" pitchFamily="2" charset="-122"/>
+              <a:ea typeface="宋体" panose="02010600030101010101" pitchFamily="2" charset="-122"/>
+              <a:cs typeface="Arial" panose="020B0604020202020204" pitchFamily="34" charset="0"/>
+              <a:sym typeface="+mn-ea"/>
+            </a:endParaRPr>
+          </a:p>
+        </p:txBody>
+      </p:sp>
+    </p:spTree>
+  </p:cSld>
+  <p:clrMapOvr>
+    <a:masterClrMapping/>
+  </p:clrMapOvr>
+</p:sld>
+</file>
+
+<file path=ppt/slides/slide13.xml><?xml version="1.0" encoding="utf-8"?>
+<p:sld xmlns:a="http://schemas.openxmlformats.org/drawingml/2006/main" xmlns:r="http://schemas.openxmlformats.org/officeDocument/2006/relationships" xmlns:p="http://schemas.openxmlformats.org/presentationml/2006/main">
+  <p:cSld>
+    <p:spTree>
+      <p:nvGrpSpPr>
+        <p:cNvPr id="1" name=""/>
+        <p:cNvGrpSpPr/>
+        <p:nvPr/>
+      </p:nvGrpSpPr>
+      <p:grpSpPr/>
+      <p:sp>
+        <p:nvSpPr>
+          <p:cNvPr id="2" name="Title 1"/>
+          <p:cNvSpPr>
+            <a:spLocks noGrp="1"/>
+          </p:cNvSpPr>
+          <p:nvPr>
+            <p:ph type="title"/>
+          </p:nvPr>
+        </p:nvSpPr>
+        <p:spPr/>
+        <p:txBody>
+          <a:bodyPr/>
+          <a:p>
+            <a:r>
+              <a:rPr lang="en-US">
+                <a:sym typeface="+mn-ea"/>
+              </a:rPr>
+              <a:t>Finding Inductive Invariants</a:t>
+            </a:r>
             <a:endParaRPr lang="en-US"/>
           </a:p>
-          <a:p>
+        </p:txBody>
+      </p:sp>
+      <p:sp>
+        <p:nvSpPr>
+          <p:cNvPr id="3" name="Content Placeholder 2"/>
+          <p:cNvSpPr>
+            <a:spLocks noGrp="1"/>
+          </p:cNvSpPr>
+          <p:nvPr>
+            <p:ph idx="1"/>
+          </p:nvPr>
+        </p:nvSpPr>
+        <p:spPr/>
+        <p:txBody>
+          <a:bodyPr/>
+          <a:p>
+            <a:r>
+              <a:rPr lang="en-US"/>
+              <a:t>Case3:</a:t>
+            </a:r>
             <a:endParaRPr lang="en-US"/>
           </a:p>
           <a:p>
+            <a:pPr lvl="1"/>
+            <a:r>
+              <a:rPr lang="en-US"/>
+              <a:t>construct a strengthening</a:t>
+            </a:r>
             <a:endParaRPr lang="en-US"/>
           </a:p>
           <a:p>
-            <a:endParaRPr lang="en-US"/>
-          </a:p>
-          <a:p>
-            <a:r>
-              <a:rPr lang="en-US" altLang="en-US"/>
-              <a:t>invOnXC: node i being in the critical area, and x can’t be true;</a:t>
-            </a:r>
-            <a:endParaRPr lang="en-US" altLang="en-US"/>
-          </a:p>
-          <a:p>
-            <a:r>
-              <a:rPr lang="en-US" altLang="en-US">
-                <a:latin typeface="+mn-ea"/>
-                <a:cs typeface="+mn-ea"/>
-              </a:rPr>
-              <a:t>invOnXE</a:t>
-            </a:r>
-            <a:r>
-              <a:rPr lang="en-US" altLang="en-US"/>
-              <a:t>: node i having not released the critical material, and x can’t be true;</a:t>
-            </a:r>
-            <a:endParaRPr lang="en-US" altLang="en-US"/>
-          </a:p>
-          <a:p>
-            <a:r>
-              <a:rPr lang="en-US" altLang="en-US"/>
-              <a:t>aux_1: node j having not left the critical area, and node i can’t be the C;</a:t>
-            </a:r>
-            <a:endParaRPr lang="en-US" altLang="en-US"/>
-          </a:p>
-          <a:p>
-            <a:r>
-              <a:rPr lang="en-US" altLang="en-US"/>
-              <a:t>aux_2: node i </a:t>
-            </a:r>
-            <a:r>
-              <a:rPr lang="en-US" altLang="en-US">
-                <a:cs typeface="+mn-lt"/>
-              </a:rPr>
-              <a:t>and </a:t>
-            </a:r>
-            <a:r>
-              <a:rPr lang="en-US" altLang="en-US"/>
-              <a:t>node j (i</a:t>
-            </a:r>
-            <a:r>
-              <a:rPr lang="en-US" altLang="en-US">
-                <a:latin typeface="Abyssinica SIL" panose="02000603020000020004" charset="0"/>
-                <a:cs typeface="Abyssinica SIL" panose="02000603020000020004" charset="0"/>
-              </a:rPr>
-              <a:t>≠</a:t>
-            </a:r>
-            <a:r>
-              <a:rPr lang="en-US" altLang="en-US"/>
-              <a:t>j) can’t be E in the meantime;</a:t>
-            </a:r>
-            <a:endParaRPr lang="en-US" altLang="en-US"/>
-          </a:p>
-          <a:p>
-            <a:endParaRPr lang="en-US" altLang="en-US"/>
-          </a:p>
-          <a:p>
-            <a:r>
-              <a:rPr lang="en-US" altLang="en-US"/>
-              <a:t>pinvs(N) = (Exist) mutualInv (Disjunc.) (Exist) invOnXC (Disjunc.) (Exist) invOnXE (Disjunc.) (Exist) aux_1 (Disjunc.) (Exist) aux_2</a:t>
-            </a:r>
-            <a:endParaRPr lang="en-US" altLang="en-US"/>
-          </a:p>
-          <a:p>
-            <a:endParaRPr lang="en-US" altLang="en-US"/>
-          </a:p>
-          <a:p>
-            <a:endParaRPr lang="en-US" altLang="en-US"/>
-          </a:p>
-          <a:p>
-            <a:endParaRPr lang="en-US" altLang="en-US"/>
+            <a:pPr lvl="1"/>
+            <a:r>
+              <a:rPr lang="en-US"/>
+              <a:t>an obvious choice is </a:t>
+            </a:r>
+            <a:r>
+              <a:rPr lang="en-US" b="1" i="1">
+                <a:latin typeface="Arial" panose="020B0604020202020204" pitchFamily="34" charset="0"/>
+                <a:cs typeface="Arial" panose="020B0604020202020204" pitchFamily="34" charset="0"/>
+                <a:sym typeface="+mn-ea"/>
+              </a:rPr>
+              <a:t>m'(g)</a:t>
+            </a:r>
+            <a:r>
+              <a:rPr lang="en-US">
+                <a:latin typeface="Arial" panose="020B0604020202020204" pitchFamily="34" charset="0"/>
+                <a:cs typeface="Arial" panose="020B0604020202020204" pitchFamily="34" charset="0"/>
+                <a:sym typeface="+mn-ea"/>
+              </a:rPr>
+              <a:t>→</a:t>
+            </a:r>
+            <a:r>
+              <a:rPr lang="en-US" b="1" i="1">
+                <a:sym typeface="+mn-ea"/>
+              </a:rPr>
+              <a:t>WP(m'(S), m(inv))</a:t>
+            </a:r>
+            <a:r>
+              <a:rPr lang="en-US">
+                <a:sym typeface="+mn-ea"/>
+              </a:rPr>
+              <a:t>, such that (the logic formula in case holds)</a:t>
+            </a:r>
+            <a:endParaRPr lang="en-US">
+              <a:sym typeface="+mn-ea"/>
+            </a:endParaRPr>
+          </a:p>
+          <a:p>
+            <a:pPr lvl="1"/>
+            <a:r>
+              <a:rPr lang="en-US">
+                <a:sym typeface="+mn-ea"/>
+              </a:rPr>
+              <a:t>the choice above is complex, rewrite it into a form</a:t>
+            </a:r>
+            <a:endParaRPr lang="en-US">
+              <a:sym typeface="+mn-ea"/>
+            </a:endParaRPr>
+          </a:p>
+          <a:p>
+            <a:pPr lvl="1"/>
+            <a:r>
+              <a:rPr lang="en-US">
+                <a:sym typeface="+mn-ea"/>
+              </a:rPr>
+              <a:t>consider subformulas from its simplified form</a:t>
+            </a:r>
+            <a:endParaRPr lang="en-US">
+              <a:sym typeface="+mn-ea"/>
+            </a:endParaRPr>
+          </a:p>
+          <a:p>
+            <a:pPr lvl="1"/>
+            <a:r>
+              <a:rPr lang="en-US">
+                <a:sym typeface="+mn-ea"/>
+              </a:rPr>
+              <a:t>exploit a model checker(NuSMV, Murphi) to explore an auxilary invariant  </a:t>
+            </a:r>
+            <a:endParaRPr lang="en-US">
+              <a:sym typeface="+mn-ea"/>
+            </a:endParaRPr>
           </a:p>
         </p:txBody>
       </p:sp>
       <p:pic>
         <p:nvPicPr>
-          <p:cNvPr id="4" name="Picture 3"/>
+          <p:cNvPr id="7" name="Picture 6"/>
           <p:cNvPicPr>
             <a:picLocks noChangeAspect="1"/>
           </p:cNvPicPr>
           <p:nvPr/>
+        </p:nvPicPr>
+        <p:blipFill>
+          <a:blip r:embed="rId1">
+            <a:lum bright="-12000" contrast="30000"/>
+          </a:blip>
+          <a:stretch>
+            <a:fillRect/>
+          </a:stretch>
+        </p:blipFill>
+        <p:spPr>
+          <a:xfrm>
+            <a:off x="6452235" y="2762250"/>
+            <a:ext cx="788035" cy="367030"/>
+          </a:xfrm>
+          <a:prstGeom prst="rect">
+            <a:avLst/>
+          </a:prstGeom>
+        </p:spPr>
+      </p:pic>
+    </p:spTree>
+  </p:cSld>
+  <p:clrMapOvr>
+    <a:masterClrMapping/>
+  </p:clrMapOvr>
+</p:sld>
+</file>
+
+<file path=ppt/slides/slide14.xml><?xml version="1.0" encoding="utf-8"?>
+<p:sld xmlns:a="http://schemas.openxmlformats.org/drawingml/2006/main" xmlns:r="http://schemas.openxmlformats.org/officeDocument/2006/relationships" xmlns:p="http://schemas.openxmlformats.org/presentationml/2006/main">
+  <p:cSld>
+    <p:spTree>
+      <p:nvGrpSpPr>
+        <p:cNvPr id="1" name=""/>
+        <p:cNvGrpSpPr/>
+        <p:nvPr/>
+      </p:nvGrpSpPr>
+      <p:grpSpPr/>
+      <p:sp>
+        <p:nvSpPr>
+          <p:cNvPr id="2" name="Title 1"/>
+          <p:cNvSpPr>
+            <a:spLocks noGrp="1"/>
+          </p:cNvSpPr>
+          <p:nvPr>
+            <p:ph type="title"/>
+          </p:nvPr>
+        </p:nvSpPr>
+        <p:spPr/>
+        <p:txBody>
+          <a:bodyPr/>
+          <a:p>
+            <a:r>
+              <a:rPr lang="en-US"/>
+              <a:t>Example: mutual exclusion protocol</a:t>
+            </a:r>
+            <a:endParaRPr lang="en-US"/>
+          </a:p>
+        </p:txBody>
+      </p:sp>
+      <p:pic>
+        <p:nvPicPr>
+          <p:cNvPr id="4" name="Content Placeholder 3"/>
+          <p:cNvPicPr>
+            <a:picLocks noChangeAspect="1"/>
+          </p:cNvPicPr>
+          <p:nvPr>
+            <p:ph idx="1"/>
+          </p:nvPr>
         </p:nvPicPr>
         <p:blipFill>
           <a:blip r:embed="rId1"/>
@@ -3957,8 +4884,214 @@
         </p:blipFill>
         <p:spPr>
           <a:xfrm>
-            <a:off x="765810" y="1496695"/>
-            <a:ext cx="9925050" cy="1628775"/>
+            <a:off x="647700" y="2008505"/>
+            <a:ext cx="10515600" cy="3984625"/>
+          </a:xfrm>
+          <a:prstGeom prst="rect">
+            <a:avLst/>
+          </a:prstGeom>
+        </p:spPr>
+      </p:pic>
+    </p:spTree>
+  </p:cSld>
+  <p:clrMapOvr>
+    <a:masterClrMapping/>
+  </p:clrMapOvr>
+</p:sld>
+</file>
+
+<file path=ppt/slides/slide15.xml><?xml version="1.0" encoding="utf-8"?>
+<p:sld xmlns:a="http://schemas.openxmlformats.org/drawingml/2006/main" xmlns:r="http://schemas.openxmlformats.org/officeDocument/2006/relationships" xmlns:p="http://schemas.openxmlformats.org/presentationml/2006/main">
+  <p:cSld>
+    <p:spTree>
+      <p:nvGrpSpPr>
+        <p:cNvPr id="1" name=""/>
+        <p:cNvGrpSpPr/>
+        <p:nvPr/>
+      </p:nvGrpSpPr>
+      <p:grpSpPr/>
+      <p:sp>
+        <p:nvSpPr>
+          <p:cNvPr id="2" name="Title 1"/>
+          <p:cNvSpPr>
+            <a:spLocks noGrp="1"/>
+          </p:cNvSpPr>
+          <p:nvPr>
+            <p:ph type="title"/>
+          </p:nvPr>
+        </p:nvSpPr>
+        <p:spPr/>
+        <p:txBody>
+          <a:bodyPr/>
+          <a:p>
+            <a:r>
+              <a:rPr lang="en-US"/>
+              <a:t>Generalization</a:t>
+            </a:r>
+            <a:endParaRPr lang="en-US"/>
+          </a:p>
+        </p:txBody>
+      </p:sp>
+      <p:pic>
+        <p:nvPicPr>
+          <p:cNvPr id="4" name="Content Placeholder 3"/>
+          <p:cNvPicPr>
+            <a:picLocks noChangeAspect="1"/>
+          </p:cNvPicPr>
+          <p:nvPr>
+            <p:ph idx="1"/>
+          </p:nvPr>
+        </p:nvPicPr>
+        <p:blipFill>
+          <a:blip r:embed="rId1">
+            <a:lum bright="-12000" contrast="24000"/>
+          </a:blip>
+          <a:stretch>
+            <a:fillRect/>
+          </a:stretch>
+        </p:blipFill>
+        <p:spPr>
+          <a:xfrm>
+            <a:off x="1029335" y="1483995"/>
+            <a:ext cx="9205595" cy="4351655"/>
+          </a:xfrm>
+          <a:prstGeom prst="rect">
+            <a:avLst/>
+          </a:prstGeom>
+        </p:spPr>
+      </p:pic>
+    </p:spTree>
+  </p:cSld>
+  <p:clrMapOvr>
+    <a:masterClrMapping/>
+  </p:clrMapOvr>
+</p:sld>
+</file>
+
+<file path=ppt/slides/slide16.xml><?xml version="1.0" encoding="utf-8"?>
+<p:sld xmlns:a="http://schemas.openxmlformats.org/drawingml/2006/main" xmlns:r="http://schemas.openxmlformats.org/officeDocument/2006/relationships" xmlns:p="http://schemas.openxmlformats.org/presentationml/2006/main">
+  <p:cSld>
+    <p:spTree>
+      <p:nvGrpSpPr>
+        <p:cNvPr id="1" name=""/>
+        <p:cNvGrpSpPr/>
+        <p:nvPr/>
+      </p:nvGrpSpPr>
+      <p:grpSpPr/>
+      <p:sp>
+        <p:nvSpPr>
+          <p:cNvPr id="2" name="Title 1"/>
+          <p:cNvSpPr>
+            <a:spLocks noGrp="1"/>
+          </p:cNvSpPr>
+          <p:nvPr>
+            <p:ph type="title"/>
+          </p:nvPr>
+        </p:nvSpPr>
+        <p:spPr/>
+        <p:txBody>
+          <a:bodyPr/>
+          <a:p>
+            <a:r>
+              <a:rPr lang="en-US">
+                <a:sym typeface="+mn-ea"/>
+              </a:rPr>
+              <a:t>Generalization</a:t>
+            </a:r>
+            <a:endParaRPr lang="en-US"/>
+          </a:p>
+        </p:txBody>
+      </p:sp>
+      <p:pic>
+        <p:nvPicPr>
+          <p:cNvPr id="4" name="Content Placeholder 3"/>
+          <p:cNvPicPr>
+            <a:picLocks noChangeAspect="1"/>
+          </p:cNvPicPr>
+          <p:nvPr>
+            <p:ph idx="1"/>
+          </p:nvPr>
+        </p:nvPicPr>
+        <p:blipFill>
+          <a:blip r:embed="rId1">
+            <a:lum bright="-12000" contrast="24000"/>
+          </a:blip>
+          <a:stretch>
+            <a:fillRect/>
+          </a:stretch>
+        </p:blipFill>
+        <p:spPr>
+          <a:xfrm>
+            <a:off x="1395095" y="2113280"/>
+            <a:ext cx="9020175" cy="2181225"/>
+          </a:xfrm>
+          <a:prstGeom prst="rect">
+            <a:avLst/>
+          </a:prstGeom>
+        </p:spPr>
+      </p:pic>
+    </p:spTree>
+  </p:cSld>
+  <p:clrMapOvr>
+    <a:masterClrMapping/>
+  </p:clrMapOvr>
+</p:sld>
+</file>
+
+<file path=ppt/slides/slide17.xml><?xml version="1.0" encoding="utf-8"?>
+<p:sld xmlns:a="http://schemas.openxmlformats.org/drawingml/2006/main" xmlns:r="http://schemas.openxmlformats.org/officeDocument/2006/relationships" xmlns:p="http://schemas.openxmlformats.org/presentationml/2006/main">
+  <p:cSld>
+    <p:spTree>
+      <p:nvGrpSpPr>
+        <p:cNvPr id="1" name=""/>
+        <p:cNvGrpSpPr/>
+        <p:nvPr/>
+      </p:nvGrpSpPr>
+      <p:grpSpPr/>
+      <p:sp>
+        <p:nvSpPr>
+          <p:cNvPr id="2" name="Title 1"/>
+          <p:cNvSpPr>
+            <a:spLocks noGrp="1"/>
+          </p:cNvSpPr>
+          <p:nvPr>
+            <p:ph type="title"/>
+          </p:nvPr>
+        </p:nvSpPr>
+        <p:spPr/>
+        <p:txBody>
+          <a:bodyPr/>
+          <a:p>
+            <a:r>
+              <a:rPr lang="en-US"/>
+              <a:t>Automatic Generation of Isabelle Proof</a:t>
+            </a:r>
+            <a:endParaRPr lang="en-US"/>
+          </a:p>
+        </p:txBody>
+      </p:sp>
+      <p:pic>
+        <p:nvPicPr>
+          <p:cNvPr id="4" name="Content Placeholder 3"/>
+          <p:cNvPicPr>
+            <a:picLocks noChangeAspect="1"/>
+          </p:cNvPicPr>
+          <p:nvPr>
+            <p:ph idx="1"/>
+          </p:nvPr>
+        </p:nvPicPr>
+        <p:blipFill>
+          <a:blip r:embed="rId1">
+            <a:lum bright="-12000" contrast="24000"/>
+          </a:blip>
+          <a:stretch>
+            <a:fillRect/>
+          </a:stretch>
+        </p:blipFill>
+        <p:spPr>
+          <a:xfrm>
+            <a:off x="1462405" y="1851025"/>
+            <a:ext cx="8886825" cy="2933700"/>
           </a:xfrm>
           <a:prstGeom prst="rect">
             <a:avLst/>
@@ -4063,7 +5196,11 @@
               <a:t>, </a:t>
             </a:r>
             <a:r>
-              <a:rPr lang="en-US" b="1" i="1"/>
+              <a:rPr lang="en-US" b="1" i="1">
+                <a:solidFill>
+                  <a:schemeClr val="accent5"/>
+                </a:solidFill>
+              </a:rPr>
               <a:t>invFinder </a:t>
             </a:r>
             <a:r>
@@ -4098,7 +5235,11 @@
           </a:p>
           <a:p>
             <a:r>
-              <a:rPr lang="en-US" b="1" i="1"/>
+              <a:rPr lang="en-US" b="1" i="1">
+                <a:solidFill>
+                  <a:schemeClr val="accent5"/>
+                </a:solidFill>
+              </a:rPr>
               <a:t>proofGen </a:t>
             </a:r>
             <a:r>
@@ -4449,7 +5590,15 @@
             </a:r>
             <a:r>
               <a:rPr lang="en-US"/>
-              <a:t>be a protocol. A formula inv is an inductive invariant of </a:t>
+              <a:t>be a protocol. A formula </a:t>
+            </a:r>
+            <a:r>
+              <a:rPr lang="en-US" b="1" i="1"/>
+              <a:t>inv </a:t>
+            </a:r>
+            <a:r>
+              <a:rPr lang="en-US"/>
+              <a:t>is an inductive invariant of </a:t>
             </a:r>
             <a:r>
               <a:rPr lang="en-US" b="1" i="1"/>
@@ -4637,7 +5786,7 @@
           <a:p>
             <a:r>
               <a:rPr lang="en-US"/>
-              <a:t>Inductive Invariant</a:t>
+              <a:t>Main Ideas	</a:t>
             </a:r>
             <a:endParaRPr lang="en-US"/>
           </a:p>
@@ -4657,292 +5806,136 @@
         <p:txBody>
           <a:bodyPr/>
           <a:p>
-            <a:r>
-              <a:rPr lang="en-US"/>
-              <a:t>“for each </a:t>
+            <a:pPr marL="457200" indent="-457200">
+              <a:buAutoNum type="arabicPeriod"/>
+            </a:pPr>
+            <a:r>
+              <a:rPr lang="en-US"/>
+              <a:t>concretize the requirement </a:t>
+            </a:r>
+            <a:r>
+              <a:rPr lang="en-US" b="1" i="1"/>
+              <a:t>req</a:t>
+            </a:r>
+            <a:endParaRPr lang="en-US"/>
+          </a:p>
+          <a:p>
+            <a:pPr marL="457200" indent="-457200">
+              <a:buAutoNum type="arabicPeriod"/>
+            </a:pPr>
+            <a:r>
+              <a:rPr lang="en-US">
+                <a:solidFill>
+                  <a:schemeClr val="accent5"/>
+                </a:solidFill>
+              </a:rPr>
+              <a:t>concretize</a:t>
+            </a:r>
+            <a:r>
+              <a:rPr lang="en-US"/>
+              <a:t> the guarded commands </a:t>
             </a:r>
             <a:r>
               <a:rPr lang="en-US" b="1" i="1"/>
               <a:t>r</a:t>
             </a:r>
             <a:r>
-              <a:rPr lang="en-US">
-                <a:latin typeface="宋体" panose="02010600030101010101" pitchFamily="2" charset="-122"/>
-                <a:ea typeface="宋体" panose="02010600030101010101" pitchFamily="2" charset="-122"/>
-              </a:rPr>
-              <a:t>∈</a:t>
-            </a:r>
-            <a:r>
-              <a:rPr lang="en-US"/>
-              <a:t> </a:t>
+              <a:rPr lang="en-US"/>
+              <a:t> with regard to </a:t>
             </a:r>
             <a:r>
               <a:rPr lang="en-US" b="1" i="1"/>
-              <a:t>R</a:t>
-            </a:r>
-            <a:r>
-              <a:rPr lang="en-US"/>
-              <a:t>, we have </a:t>
-            </a:r>
-            <a:r>
-              <a:rPr lang="en-US">
-                <a:latin typeface="宋体" panose="02010600030101010101" pitchFamily="2" charset="-122"/>
-                <a:ea typeface="宋体" panose="02010600030101010101" pitchFamily="2" charset="-122"/>
-              </a:rPr>
-              <a:t>╞</a:t>
+              <a:t>req </a:t>
+            </a:r>
+            <a:r>
+              <a:rPr lang="en-US"/>
+              <a:t>above,</a:t>
+            </a:r>
+            <a:r>
+              <a:rPr lang="en-US" i="1"/>
+              <a:t> i.e</a:t>
+            </a:r>
+            <a:r>
+              <a:rPr lang="en-US"/>
+              <a:t>. we concretize each pair (</a:t>
             </a:r>
             <a:r>
               <a:rPr lang="en-US" b="1" i="1"/>
-              <a:t>inv</a:t>
-            </a:r>
-            <a:r>
-              <a:rPr lang="en-US">
-                <a:latin typeface="宋体" panose="02010600030101010101" pitchFamily="2" charset="-122"/>
-                <a:ea typeface="宋体" panose="02010600030101010101" pitchFamily="2" charset="-122"/>
-              </a:rPr>
-              <a:t>∧</a:t>
+              <a:t>req, r</a:t>
+            </a:r>
+            <a:r>
+              <a:rPr lang="en-US"/>
+              <a:t>) and record all the necessary actual parameter indics for each </a:t>
             </a:r>
             <a:r>
               <a:rPr lang="en-US" b="1" i="1"/>
-              <a:t>guard(r)</a:t>
-            </a:r>
-            <a:r>
-              <a:rPr lang="en-US"/>
-              <a:t> </a:t>
-            </a:r>
-            <a:r>
-              <a:rPr lang="en-US">
-                <a:latin typeface="Arial" panose="020B0604020202020204" pitchFamily="34" charset="0"/>
-                <a:cs typeface="Arial" panose="020B0604020202020204" pitchFamily="34" charset="0"/>
-              </a:rPr>
-              <a:t>→</a:t>
-            </a:r>
-            <a:r>
-              <a:rPr lang="en-US" b="1" i="1"/>
-              <a:t>WP(action(r), inv) </a:t>
-            </a:r>
-            <a:r>
-              <a:rPr lang="en-US"/>
-              <a:t>”</a:t>
-            </a:r>
-            <a:endParaRPr lang="en-US" b="1" i="1"/>
-          </a:p>
-          <a:p>
-            <a:r>
-              <a:rPr lang="en-US"/>
-              <a:t>We distinguish the following three cases:</a:t>
+              <a:t>r </a:t>
+            </a:r>
+            <a:r>
+              <a:rPr lang="en-US"/>
+              <a:t>seperately.</a:t>
             </a:r>
             <a:endParaRPr lang="en-US"/>
           </a:p>
           <a:p>
-            <a:pPr marL="800100" lvl="1" indent="-342900">
+            <a:pPr marL="457200" indent="-457200">
               <a:buAutoNum type="arabicPeriod"/>
             </a:pPr>
             <a:r>
               <a:rPr lang="en-US">
-                <a:latin typeface="宋体" panose="02010600030101010101" pitchFamily="2" charset="-122"/>
-                <a:ea typeface="宋体" panose="02010600030101010101" pitchFamily="2" charset="-122"/>
-                <a:sym typeface="+mn-ea"/>
-              </a:rPr>
-              <a:t>╞</a:t>
-            </a:r>
-            <a:r>
-              <a:rPr lang="en-US" b="1" i="1">
-                <a:sym typeface="+mn-ea"/>
-              </a:rPr>
-              <a:t>guard(r)</a:t>
-            </a:r>
-            <a:r>
-              <a:rPr lang="en-US">
-                <a:sym typeface="+mn-ea"/>
-              </a:rPr>
-              <a:t> </a:t>
-            </a:r>
-            <a:r>
-              <a:rPr lang="en-US">
-                <a:latin typeface="Arial" panose="020B0604020202020204" pitchFamily="34" charset="0"/>
-                <a:cs typeface="Arial" panose="020B0604020202020204" pitchFamily="34" charset="0"/>
-                <a:sym typeface="+mn-ea"/>
-              </a:rPr>
-              <a:t>→</a:t>
-            </a:r>
-            <a:r>
-              <a:rPr lang="en-US" b="1" i="1">
-                <a:sym typeface="+mn-ea"/>
-              </a:rPr>
-              <a:t>WP(action(r), inv) </a:t>
-            </a:r>
-            <a:r>
-              <a:rPr lang="en-US">
-                <a:sym typeface="+mn-ea"/>
-              </a:rPr>
-              <a:t>: precondition </a:t>
-            </a:r>
-            <a:r>
-              <a:rPr lang="en-US" b="1" i="1">
-                <a:sym typeface="+mn-ea"/>
-              </a:rPr>
-              <a:t>inv </a:t>
-            </a:r>
-            <a:r>
-              <a:rPr lang="en-US">
-                <a:sym typeface="+mn-ea"/>
-              </a:rPr>
-              <a:t>not needed</a:t>
-            </a:r>
-            <a:endParaRPr lang="en-US">
-              <a:sym typeface="+mn-ea"/>
-            </a:endParaRPr>
-          </a:p>
-          <a:p>
-            <a:pPr marL="800100" lvl="1" indent="-342900">
+                <a:solidFill>
+                  <a:schemeClr val="accent5"/>
+                </a:solidFill>
+              </a:rPr>
+              <a:t>check</a:t>
+            </a:r>
+            <a:r>
+              <a:rPr lang="en-US"/>
+              <a:t> whether the concretized requirement </a:t>
+            </a:r>
+            <a:r>
+              <a:rPr lang="en-US" b="1" i="1"/>
+              <a:t>req </a:t>
+            </a:r>
+            <a:r>
+              <a:rPr lang="en-US"/>
+              <a:t>is an inductive invariant and if necessary find a strengthening </a:t>
+            </a:r>
+            <a:r>
+              <a:rPr lang="en-US" b="1" i="1"/>
+              <a:t>aux </a:t>
+            </a:r>
+            <a:r>
+              <a:rPr lang="en-US"/>
+              <a:t>that will be used as candicate auxiliary invariant</a:t>
+            </a:r>
+            <a:endParaRPr lang="en-US"/>
+          </a:p>
+          <a:p>
+            <a:pPr marL="457200" indent="-457200">
               <a:buAutoNum type="arabicPeriod"/>
             </a:pPr>
             <a:r>
               <a:rPr lang="en-US">
-                <a:latin typeface="宋体" panose="02010600030101010101" pitchFamily="2" charset="-122"/>
-                <a:ea typeface="宋体" panose="02010600030101010101" pitchFamily="2" charset="-122"/>
-                <a:sym typeface="+mn-ea"/>
-              </a:rPr>
-              <a:t>╞</a:t>
-            </a:r>
-            <a:r>
-              <a:rPr lang="en-US" b="1" i="1">
-                <a:sym typeface="+mn-ea"/>
-              </a:rPr>
-              <a:t>inv</a:t>
-            </a:r>
-            <a:r>
-              <a:rPr lang="en-US">
-                <a:sym typeface="+mn-ea"/>
-              </a:rPr>
-              <a:t> </a:t>
-            </a:r>
-            <a:r>
-              <a:rPr lang="en-US">
-                <a:latin typeface="Arial" panose="020B0604020202020204" pitchFamily="34" charset="0"/>
-                <a:cs typeface="Arial" panose="020B0604020202020204" pitchFamily="34" charset="0"/>
-                <a:sym typeface="+mn-ea"/>
-              </a:rPr>
-              <a:t>→</a:t>
-            </a:r>
-            <a:r>
-              <a:rPr lang="en-US" b="1" i="1">
-                <a:sym typeface="+mn-ea"/>
-              </a:rPr>
-              <a:t>WP(action(r), inv) </a:t>
-            </a:r>
-            <a:r>
-              <a:rPr lang="en-US">
-                <a:sym typeface="+mn-ea"/>
-              </a:rPr>
-              <a:t>: guard not needed</a:t>
-            </a:r>
-            <a:endParaRPr lang="en-US">
-              <a:sym typeface="+mn-ea"/>
-            </a:endParaRPr>
-          </a:p>
-          <a:p>
-            <a:pPr marL="800100" lvl="1" indent="-342900">
-              <a:buAutoNum type="arabicPeriod"/>
-            </a:pPr>
-            <a:r>
-              <a:rPr lang="en-US">
-                <a:latin typeface="宋体" panose="02010600030101010101" pitchFamily="2" charset="-122"/>
-                <a:ea typeface="宋体" panose="02010600030101010101" pitchFamily="2" charset="-122"/>
-                <a:sym typeface="+mn-ea"/>
-              </a:rPr>
-              <a:t>╞</a:t>
-            </a:r>
-            <a:r>
-              <a:rPr lang="en-US" b="1" i="1">
-                <a:sym typeface="+mn-ea"/>
-              </a:rPr>
-              <a:t>inv</a:t>
-            </a:r>
-            <a:r>
-              <a:rPr lang="en-US">
-                <a:latin typeface="宋体" panose="02010600030101010101" pitchFamily="2" charset="-122"/>
-                <a:ea typeface="宋体" panose="02010600030101010101" pitchFamily="2" charset="-122"/>
-                <a:sym typeface="+mn-ea"/>
-              </a:rPr>
-              <a:t>∧</a:t>
-            </a:r>
-            <a:r>
-              <a:rPr lang="en-US" b="1" i="1">
-                <a:sym typeface="+mn-ea"/>
-              </a:rPr>
-              <a:t>guard(r)</a:t>
-            </a:r>
-            <a:r>
-              <a:rPr lang="en-US">
-                <a:latin typeface="宋体" panose="02010600030101010101" pitchFamily="2" charset="-122"/>
-                <a:ea typeface="宋体" panose="02010600030101010101" pitchFamily="2" charset="-122"/>
-                <a:sym typeface="+mn-ea"/>
-              </a:rPr>
-              <a:t>∧</a:t>
-            </a:r>
-            <a:r>
-              <a:rPr lang="en-US" sz="2000" b="1" i="1">
-                <a:sym typeface="+mn-ea"/>
-              </a:rPr>
-              <a:t>inv'</a:t>
-            </a:r>
-            <a:r>
-              <a:rPr lang="en-US" b="1" i="1">
-                <a:sym typeface="+mn-ea"/>
-              </a:rPr>
-              <a:t> </a:t>
-            </a:r>
-            <a:r>
-              <a:rPr lang="en-US">
-                <a:latin typeface="Arial" panose="020B0604020202020204" pitchFamily="34" charset="0"/>
-                <a:cs typeface="Arial" panose="020B0604020202020204" pitchFamily="34" charset="0"/>
-                <a:sym typeface="+mn-ea"/>
-              </a:rPr>
-              <a:t>→</a:t>
-            </a:r>
-            <a:r>
-              <a:rPr lang="en-US" b="1" i="1">
-                <a:sym typeface="+mn-ea"/>
-              </a:rPr>
-              <a:t>WP(action(r), inv) </a:t>
-            </a:r>
-            <a:r>
-              <a:rPr lang="en-US">
-                <a:sym typeface="+mn-ea"/>
-              </a:rPr>
-              <a:t>:strengthening </a:t>
-            </a:r>
-            <a:r>
-              <a:rPr lang="en-US" b="1" i="1">
-                <a:sym typeface="+mn-ea"/>
-              </a:rPr>
-              <a:t>inv' </a:t>
-            </a:r>
-            <a:r>
-              <a:rPr lang="en-US">
-                <a:sym typeface="+mn-ea"/>
-              </a:rPr>
-              <a:t>needed</a:t>
-            </a:r>
-            <a:endParaRPr lang="en-US">
-              <a:sym typeface="+mn-ea"/>
-            </a:endParaRPr>
-          </a:p>
-          <a:p>
-            <a:pPr lvl="0"/>
-            <a:endParaRPr lang="en-US">
-              <a:sym typeface="+mn-ea"/>
-            </a:endParaRPr>
-          </a:p>
-          <a:p>
-            <a:pPr marL="800100" lvl="1" indent="-342900">
-              <a:buAutoNum type="arabicPeriod"/>
-            </a:pPr>
-            <a:endParaRPr lang="en-US">
-              <a:sym typeface="+mn-ea"/>
-            </a:endParaRPr>
+                <a:solidFill>
+                  <a:schemeClr val="accent5"/>
+                </a:solidFill>
+              </a:rPr>
+              <a:t>generalize</a:t>
+            </a:r>
+            <a:r>
+              <a:rPr lang="en-US"/>
+              <a:t> the strengthend requirement </a:t>
+            </a:r>
+            <a:r>
+              <a:rPr lang="en-US" b="1" i="1"/>
+              <a:t>aux </a:t>
+            </a:r>
+            <a:r>
+              <a:rPr lang="en-US"/>
+              <a:t>back to a prameterized one</a:t>
+            </a:r>
+            <a:endParaRPr lang="en-US"/>
           </a:p>
         </p:txBody>
       </p:sp>
@@ -4980,224 +5973,34 @@
           <a:p>
             <a:r>
               <a:rPr lang="en-US"/>
-              <a:t>Causal Relations </a:t>
+              <a:t>Example: Mutual Exclusion Protocol</a:t>
             </a:r>
             <a:endParaRPr lang="en-US"/>
-          </a:p>
-        </p:txBody>
-      </p:sp>
-      <p:sp>
-        <p:nvSpPr>
-          <p:cNvPr id="3" name="Content Placeholder 2"/>
-          <p:cNvSpPr>
-            <a:spLocks noGrp="1"/>
-          </p:cNvSpPr>
-          <p:nvPr>
-            <p:ph idx="1"/>
-          </p:nvPr>
-        </p:nvSpPr>
-        <p:spPr>
-          <a:xfrm>
-            <a:off x="647700" y="1123950"/>
-            <a:ext cx="10515600" cy="5053330"/>
-          </a:xfrm>
-        </p:spPr>
-        <p:txBody>
-          <a:bodyPr/>
-          <a:p>
-            <a:pPr marL="0" indent="0">
-              <a:buNone/>
-            </a:pPr>
-            <a:r>
-              <a:rPr lang="en-US"/>
-              <a:t>three kinds of causal relations</a:t>
-            </a:r>
-            <a:r>
-              <a:rPr lang="en-US" altLang="en-US"/>
-              <a:t>  == induction rules  == if each formula in fs(formula set) holds before the execution of rule r, then f holds after the execution of rule r</a:t>
-            </a:r>
-            <a:endParaRPr lang="en-US" altLang="en-US"/>
-          </a:p>
-          <a:p>
-            <a:pPr marL="0" indent="0">
-              <a:buNone/>
-            </a:pPr>
-            <a:endParaRPr lang="en-US" altLang="en-US"/>
-          </a:p>
-          <a:p>
-            <a:pPr marL="0" indent="0">
-              <a:buNone/>
-            </a:pPr>
-            <a:endParaRPr lang="en-US" altLang="en-US"/>
-          </a:p>
-          <a:p>
-            <a:pPr marL="0" indent="0">
-              <a:buNone/>
-            </a:pPr>
-            <a:endParaRPr lang="en-US" altLang="en-US"/>
-          </a:p>
-          <a:p>
-            <a:pPr marL="0" indent="0">
-              <a:buNone/>
-            </a:pPr>
-            <a:endParaRPr lang="en-US" altLang="en-US"/>
-          </a:p>
-          <a:p>
-            <a:pPr marL="0" indent="0">
-              <a:buNone/>
-            </a:pPr>
-            <a:endParaRPr lang="en-US" altLang="en-US"/>
-          </a:p>
-          <a:p>
-            <a:pPr marL="0" indent="0">
-              <a:buNone/>
-            </a:pPr>
-            <a:endParaRPr lang="en-US" altLang="en-US"/>
-          </a:p>
-          <a:p>
-            <a:pPr marL="0" indent="0">
-              <a:buNone/>
-            </a:pPr>
-            <a:endParaRPr lang="en-US" altLang="en-US"/>
-          </a:p>
-          <a:p>
-            <a:pPr marL="0" indent="0">
-              <a:buNone/>
-            </a:pPr>
-            <a:endParaRPr lang="en-US" altLang="en-US"/>
-          </a:p>
-          <a:p>
-            <a:pPr marL="0" indent="0">
-              <a:buNone/>
-            </a:pPr>
-            <a:endParaRPr lang="en-US" altLang="en-US"/>
-          </a:p>
-          <a:p>
-            <a:pPr marL="0" indent="0">
-              <a:buNone/>
-            </a:pPr>
-            <a:r>
-              <a:rPr lang="en-US" altLang="en-US"/>
-              <a:t>a rule </a:t>
-            </a:r>
-            <a:r>
-              <a:rPr lang="en-US" altLang="en-US" i="1"/>
-              <a:t>r</a:t>
-            </a:r>
-            <a:r>
-              <a:rPr lang="en-US" altLang="en-US"/>
-              <a:t>, a formula </a:t>
-            </a:r>
-            <a:r>
-              <a:rPr lang="en-US" altLang="en-US" i="1"/>
-              <a:t>f</a:t>
-            </a:r>
-            <a:r>
-              <a:rPr lang="en-US" altLang="en-US"/>
-              <a:t>, a formula set </a:t>
-            </a:r>
-            <a:r>
-              <a:rPr lang="en-US" altLang="en-US" i="1"/>
-              <a:t>fs</a:t>
-            </a:r>
-            <a:r>
-              <a:rPr lang="en-US" altLang="en-US"/>
-              <a:t>, and the relation invHoldRule(</a:t>
-            </a:r>
-            <a:r>
-              <a:rPr lang="en-US" altLang="en-US" i="1"/>
-              <a:t>s, f, r, fs</a:t>
-            </a:r>
-            <a:r>
-              <a:rPr lang="en-US" altLang="en-US"/>
-              <a:t>) defines a causality relation between </a:t>
-            </a:r>
-            <a:r>
-              <a:rPr lang="en-US" altLang="en-US" i="1"/>
-              <a:t>f , r</a:t>
-            </a:r>
-            <a:r>
-              <a:rPr lang="en-US" altLang="en-US"/>
-              <a:t>, and </a:t>
-            </a:r>
-            <a:r>
-              <a:rPr lang="en-US" altLang="en-US" i="1"/>
-              <a:t>fs</a:t>
-            </a:r>
-            <a:r>
-              <a:rPr lang="en-US" altLang="en-US"/>
-              <a:t>,</a:t>
-            </a:r>
-            <a:endParaRPr lang="en-US" altLang="en-US"/>
-          </a:p>
-          <a:p>
-            <a:pPr marL="0" indent="0">
-              <a:buNone/>
-            </a:pPr>
-            <a:endParaRPr lang="en-US" altLang="en-US"/>
-          </a:p>
-          <a:p>
-            <a:pPr marL="0" indent="0">
-              <a:buNone/>
-            </a:pPr>
-            <a:endParaRPr lang="en-US" altLang="en-US"/>
-          </a:p>
-          <a:p>
-            <a:pPr marL="0" indent="0">
-              <a:buNone/>
-            </a:pPr>
-            <a:endParaRPr lang="en-US" altLang="en-US"/>
-          </a:p>
-          <a:p>
-            <a:pPr marL="0" indent="0">
-              <a:buNone/>
-            </a:pPr>
-            <a:endParaRPr lang="en-US" altLang="en-US"/>
-          </a:p>
-          <a:p>
-            <a:pPr marL="0" indent="0">
-              <a:buNone/>
-            </a:pPr>
-            <a:endParaRPr lang="en-US" altLang="en-US"/>
-          </a:p>
-          <a:p>
-            <a:pPr marL="0" indent="0">
-              <a:buNone/>
-            </a:pPr>
-            <a:endParaRPr lang="en-US" altLang="en-US"/>
-          </a:p>
-          <a:p>
-            <a:pPr marL="0" indent="0">
-              <a:buNone/>
-            </a:pPr>
-            <a:endParaRPr lang="en-US" altLang="en-US"/>
-          </a:p>
-          <a:p>
-            <a:pPr marL="0" indent="0">
-              <a:buNone/>
-            </a:pPr>
-            <a:endParaRPr lang="en-US" altLang="en-US"/>
           </a:p>
         </p:txBody>
       </p:sp>
       <p:pic>
         <p:nvPicPr>
-          <p:cNvPr id="4" name="Picture 3"/>
+          <p:cNvPr id="6" name="Content Placeholder 5"/>
           <p:cNvPicPr>
             <a:picLocks noChangeAspect="1"/>
           </p:cNvPicPr>
-          <p:nvPr/>
+          <p:nvPr>
+            <p:ph idx="1"/>
+          </p:nvPr>
         </p:nvPicPr>
         <p:blipFill>
-          <a:blip r:embed="rId1"/>
+          <a:blip r:embed="rId1">
+            <a:lum bright="-6000" contrast="12000"/>
+          </a:blip>
           <a:stretch>
             <a:fillRect/>
           </a:stretch>
         </p:blipFill>
         <p:spPr>
           <a:xfrm>
-            <a:off x="647700" y="2303145"/>
-            <a:ext cx="10201275" cy="2914650"/>
+            <a:off x="1306195" y="1825625"/>
+            <a:ext cx="9197340" cy="4351655"/>
           </a:xfrm>
           <a:prstGeom prst="rect">
             <a:avLst/>
@@ -5237,299 +6040,41 @@
           <a:bodyPr/>
           <a:p>
             <a:r>
-              <a:rPr lang="en-US">
-                <a:sym typeface="+mn-ea"/>
-              </a:rPr>
-              <a:t>Causal Relations</a:t>
+              <a:rPr lang="en-US"/>
+              <a:t>Concretize the requirement</a:t>
             </a:r>
             <a:endParaRPr lang="en-US"/>
           </a:p>
         </p:txBody>
       </p:sp>
-      <p:sp>
-        <p:nvSpPr>
-          <p:cNvPr id="3" name="Content Placeholder 2"/>
-          <p:cNvSpPr>
-            <a:spLocks noGrp="1"/>
-          </p:cNvSpPr>
+      <p:pic>
+        <p:nvPicPr>
+          <p:cNvPr id="4" name="Content Placeholder 3"/>
+          <p:cNvPicPr>
+            <a:picLocks noChangeAspect="1"/>
+          </p:cNvPicPr>
           <p:nvPr>
             <p:ph idx="1"/>
           </p:nvPr>
-        </p:nvSpPr>
+        </p:nvPicPr>
+        <p:blipFill>
+          <a:blip r:embed="rId1">
+            <a:lum bright="-12000" contrast="24000"/>
+          </a:blip>
+          <a:stretch>
+            <a:fillRect/>
+          </a:stretch>
+        </p:blipFill>
         <p:spPr>
           <a:xfrm>
-            <a:off x="647700" y="1216025"/>
-            <a:ext cx="10515600" cy="4961255"/>
+            <a:off x="647700" y="1453515"/>
+            <a:ext cx="10515600" cy="3478530"/>
           </a:xfrm>
+          <a:prstGeom prst="rect">
+            <a:avLst/>
+          </a:prstGeom>
         </p:spPr>
-        <p:txBody>
-          <a:bodyPr/>
-          <a:p>
-            <a:r>
-              <a:rPr lang="en-US"/>
-              <a:t>invHoldRule</a:t>
-            </a:r>
-            <a:r>
-              <a:rPr lang="en-US" altLang="en-US"/>
-              <a:t>_</a:t>
-            </a:r>
-            <a:r>
-              <a:rPr lang="en-US"/>
-              <a:t>1(</a:t>
-            </a:r>
-            <a:r>
-              <a:rPr lang="en-US" i="1"/>
-              <a:t>s, f, r</a:t>
-            </a:r>
-            <a:r>
-              <a:rPr lang="en-US"/>
-              <a:t>) means that after rule </a:t>
-            </a:r>
-            <a:r>
-              <a:rPr lang="en-US" i="1"/>
-              <a:t>r</a:t>
-            </a:r>
-            <a:r>
-              <a:rPr lang="en-US"/>
-              <a:t> is executed, </a:t>
-            </a:r>
-            <a:r>
-              <a:rPr lang="en-US" i="1"/>
-              <a:t>f</a:t>
-            </a:r>
-            <a:r>
-              <a:rPr lang="en-US"/>
-              <a:t> becomes true immediately;</a:t>
-            </a:r>
-            <a:endParaRPr lang="en-US"/>
-          </a:p>
-          <a:p>
-            <a:r>
-              <a:rPr lang="en-US"/>
-              <a:t>invHoldRule</a:t>
-            </a:r>
-            <a:r>
-              <a:rPr lang="en-US" altLang="en-US"/>
-              <a:t>_</a:t>
-            </a:r>
-            <a:r>
-              <a:rPr lang="en-US"/>
-              <a:t>2(</a:t>
-            </a:r>
-            <a:r>
-              <a:rPr lang="en-US" i="1"/>
-              <a:t>s, f, r</a:t>
-            </a:r>
-            <a:r>
-              <a:rPr lang="en-US"/>
-              <a:t>) states that </a:t>
-            </a:r>
-            <a:r>
-              <a:rPr lang="en-US">
-                <a:solidFill>
-                  <a:srgbClr val="FF0000"/>
-                </a:solidFill>
-              </a:rPr>
-              <a:t>preCond(</a:t>
-            </a:r>
-            <a:r>
-              <a:rPr lang="en-US" altLang="en-US">
-                <a:solidFill>
-                  <a:srgbClr val="FF0000"/>
-                </a:solidFill>
-              </a:rPr>
-              <a:t>f</a:t>
-            </a:r>
-            <a:r>
-              <a:rPr lang="en-US" i="1">
-                <a:solidFill>
-                  <a:srgbClr val="FF0000"/>
-                </a:solidFill>
-              </a:rPr>
-              <a:t>, </a:t>
-            </a:r>
-            <a:r>
-              <a:rPr lang="en-US" altLang="en-US" i="1">
-                <a:solidFill>
-                  <a:srgbClr val="FF0000"/>
-                </a:solidFill>
-              </a:rPr>
-              <a:t>S</a:t>
-            </a:r>
-            <a:r>
-              <a:rPr lang="en-US">
-                <a:solidFill>
-                  <a:srgbClr val="FF0000"/>
-                </a:solidFill>
-              </a:rPr>
-              <a:t> )</a:t>
-            </a:r>
-            <a:r>
-              <a:rPr lang="en-US"/>
-              <a:t> is equivalent to f , which</a:t>
-            </a:r>
-            <a:r>
-              <a:rPr lang="en-US" altLang="en-US"/>
-              <a:t> </a:t>
-            </a:r>
-            <a:r>
-              <a:rPr lang="en-US"/>
-              <a:t>intuitively means that none of state variables in </a:t>
-            </a:r>
-            <a:r>
-              <a:rPr lang="en-US" i="1"/>
-              <a:t>f</a:t>
-            </a:r>
-            <a:r>
-              <a:rPr lang="en-US"/>
-              <a:t> is changed, and the execution of</a:t>
-            </a:r>
-            <a:r>
-              <a:rPr lang="en-US" altLang="en-US"/>
-              <a:t> </a:t>
-            </a:r>
-            <a:r>
-              <a:rPr lang="en-US"/>
-              <a:t>statement </a:t>
-            </a:r>
-            <a:r>
-              <a:rPr lang="en-US" i="1"/>
-              <a:t>S</a:t>
-            </a:r>
-            <a:r>
-              <a:rPr lang="en-US"/>
-              <a:t> does not affect the evaluation of </a:t>
-            </a:r>
-            <a:r>
-              <a:rPr lang="en-US" i="1"/>
-              <a:t>f</a:t>
-            </a:r>
-            <a:endParaRPr lang="en-US"/>
-          </a:p>
-          <a:p>
-            <a:r>
-              <a:rPr lang="en-US"/>
-              <a:t>invHoldRule</a:t>
-            </a:r>
-            <a:r>
-              <a:rPr lang="en-US" altLang="en-US"/>
-              <a:t>_</a:t>
-            </a:r>
-            <a:r>
-              <a:rPr lang="en-US"/>
-              <a:t>3(</a:t>
-            </a:r>
-            <a:r>
-              <a:rPr lang="en-US" i="1"/>
-              <a:t>s, f, r, f</a:t>
-            </a:r>
-            <a:r>
-              <a:rPr lang="en-US" altLang="en-US" i="1"/>
-              <a:t>s</a:t>
-            </a:r>
-            <a:r>
-              <a:rPr lang="en-US"/>
-              <a:t>) states</a:t>
-            </a:r>
-            <a:r>
-              <a:rPr lang="en-US" altLang="en-US"/>
-              <a:t> t</a:t>
-            </a:r>
-            <a:r>
-              <a:rPr lang="en-US"/>
-              <a:t>hat there exists another invariant f</a:t>
-            </a:r>
-            <a:r>
-              <a:rPr lang="en-US" altLang="en-US"/>
-              <a:t>_</a:t>
-            </a:r>
-            <a:r>
-              <a:rPr lang="en-US"/>
-              <a:t>0 ∈ fs such that the conjunction of the guard</a:t>
-            </a:r>
-            <a:r>
-              <a:rPr lang="en-US" altLang="en-US"/>
-              <a:t> </a:t>
-            </a:r>
-            <a:r>
-              <a:rPr lang="en-US"/>
-              <a:t>of </a:t>
-            </a:r>
-            <a:r>
-              <a:rPr lang="en-US" i="1"/>
-              <a:t>r</a:t>
-            </a:r>
-            <a:r>
-              <a:rPr lang="en-US"/>
-              <a:t> and f</a:t>
-            </a:r>
-            <a:r>
-              <a:rPr lang="en-US" altLang="en-US"/>
-              <a:t>_</a:t>
-            </a:r>
-            <a:r>
-              <a:rPr lang="en-US"/>
-              <a:t>0 implies the precondition </a:t>
-            </a:r>
-            <a:r>
-              <a:rPr lang="en-US">
-                <a:solidFill>
-                  <a:srgbClr val="FF0000"/>
-                </a:solidFill>
-              </a:rPr>
-              <a:t>preCond(</a:t>
-            </a:r>
-            <a:r>
-              <a:rPr lang="en-US" altLang="en-US">
-                <a:solidFill>
-                  <a:srgbClr val="FF0000"/>
-                </a:solidFill>
-              </a:rPr>
-              <a:t>f</a:t>
-            </a:r>
-            <a:r>
-              <a:rPr lang="en-US" i="1">
-                <a:solidFill>
-                  <a:srgbClr val="FF0000"/>
-                </a:solidFill>
-              </a:rPr>
-              <a:t>, </a:t>
-            </a:r>
-            <a:r>
-              <a:rPr lang="en-US" altLang="en-US" i="1">
-                <a:solidFill>
-                  <a:srgbClr val="FF0000"/>
-                </a:solidFill>
-              </a:rPr>
-              <a:t>S</a:t>
-            </a:r>
-            <a:r>
-              <a:rPr lang="en-US">
-                <a:solidFill>
-                  <a:srgbClr val="FF0000"/>
-                </a:solidFill>
-              </a:rPr>
-              <a:t>)</a:t>
-            </a:r>
-            <a:endParaRPr lang="en-US"/>
-          </a:p>
-          <a:p>
-            <a:r>
-              <a:rPr lang="en-US" altLang="en-US"/>
-              <a:t>invHoldRule(</a:t>
-            </a:r>
-            <a:r>
-              <a:rPr lang="en-US" altLang="en-US" i="1"/>
-              <a:t>s, f, r, fs</a:t>
-            </a:r>
-            <a:r>
-              <a:rPr lang="en-US" altLang="en-US"/>
-              <a:t>): a special kind of inductive tactics,which can be applied to prove each formula in f s holds at each inductive protocol rule cases</a:t>
-            </a:r>
-            <a:endParaRPr lang="en-US" altLang="en-US"/>
-          </a:p>
-        </p:txBody>
-      </p:sp>
+      </p:pic>
     </p:spTree>
   </p:cSld>
   <p:clrMapOvr>
@@ -5563,170 +6108,25 @@
           <a:bodyPr/>
           <a:p>
             <a:r>
-              <a:rPr lang="en-US" altLang="en-US"/>
-              <a:t>C</a:t>
-            </a:r>
-            <a:r>
-              <a:rPr lang="en-US"/>
-              <a:t>onsistency </a:t>
-            </a:r>
-            <a:r>
-              <a:rPr lang="en-US" altLang="en-US"/>
-              <a:t>R</a:t>
-            </a:r>
-            <a:r>
-              <a:rPr lang="en-US"/>
-              <a:t>elation</a:t>
+              <a:rPr lang="en-US"/>
+              <a:t>Concretize the guarded command</a:t>
             </a:r>
             <a:endParaRPr lang="en-US"/>
-          </a:p>
-        </p:txBody>
-      </p:sp>
-      <p:sp>
-        <p:nvSpPr>
-          <p:cNvPr id="3" name="Content Placeholder 2"/>
-          <p:cNvSpPr>
-            <a:spLocks noGrp="1"/>
-          </p:cNvSpPr>
-          <p:nvPr>
-            <p:ph idx="1"/>
-          </p:nvPr>
-        </p:nvSpPr>
-        <p:spPr>
-          <a:xfrm>
-            <a:off x="647700" y="1285240"/>
-            <a:ext cx="10515600" cy="4892040"/>
-          </a:xfrm>
-        </p:spPr>
-        <p:txBody>
-          <a:bodyPr/>
-          <a:p>
-            <a:endParaRPr lang="en-US" altLang="en-US"/>
-          </a:p>
-          <a:p>
-            <a:endParaRPr lang="en-US" altLang="en-US"/>
-          </a:p>
-          <a:p>
-            <a:endParaRPr lang="en-US" altLang="en-US"/>
-          </a:p>
-          <a:p>
-            <a:endParaRPr lang="en-US" altLang="en-US"/>
-          </a:p>
-          <a:p>
-            <a:endParaRPr lang="en-US" altLang="en-US"/>
-          </a:p>
-          <a:p>
-            <a:endParaRPr lang="en-US" altLang="en-US"/>
-          </a:p>
-          <a:p>
-            <a:endParaRPr lang="en-US" altLang="en-US"/>
-          </a:p>
-          <a:p>
-            <a:pPr marL="0" indent="0">
-              <a:buNone/>
-            </a:pPr>
-            <a:r>
-              <a:rPr lang="en-US" altLang="en-US" i="1"/>
-              <a:t>explanation</a:t>
-            </a:r>
-            <a:r>
-              <a:rPr lang="en-US" altLang="en-US"/>
-              <a:t>: consistant_relation := formula_set </a:t>
-            </a:r>
-            <a:r>
-              <a:rPr lang="en-US" altLang="en-US">
-                <a:latin typeface="汉仪细圆B5" charset="0"/>
-              </a:rPr>
-              <a:t>×</a:t>
-            </a:r>
-            <a:r>
-              <a:rPr lang="en-US" altLang="en-US"/>
-              <a:t> formula_set </a:t>
-            </a:r>
-            <a:r>
-              <a:rPr lang="en-US" altLang="en-US">
-                <a:latin typeface="汉仪细圆B5" charset="0"/>
-              </a:rPr>
-              <a:t>×</a:t>
-            </a:r>
-            <a:r>
-              <a:rPr lang="en-US" altLang="en-US"/>
-              <a:t> rule_set;</a:t>
-            </a:r>
-            <a:endParaRPr lang="en-US" altLang="en-US"/>
-          </a:p>
-          <a:p>
-            <a:endParaRPr lang="en-US" altLang="en-US"/>
-          </a:p>
-          <a:p>
-            <a:endParaRPr lang="en-US" altLang="en-US"/>
-          </a:p>
-          <a:p>
-            <a:endParaRPr lang="en-US" altLang="en-US"/>
-          </a:p>
-          <a:p>
-            <a:endParaRPr lang="en-US" altLang="en-US"/>
-          </a:p>
-          <a:p>
-            <a:endParaRPr lang="en-US" altLang="en-US"/>
-          </a:p>
-          <a:p>
-            <a:endParaRPr lang="en-US" altLang="en-US"/>
-          </a:p>
-          <a:p>
-            <a:endParaRPr lang="en-US" altLang="en-US"/>
-          </a:p>
-          <a:p>
-            <a:endParaRPr lang="en-US" altLang="en-US"/>
-          </a:p>
-          <a:p>
-            <a:endParaRPr lang="en-US" altLang="en-US"/>
-          </a:p>
-          <a:p>
-            <a:endParaRPr lang="en-US" altLang="en-US"/>
-          </a:p>
-          <a:p>
-            <a:endParaRPr lang="en-US" altLang="en-US"/>
-          </a:p>
-          <a:p>
-            <a:endParaRPr lang="en-US" altLang="en-US"/>
           </a:p>
         </p:txBody>
       </p:sp>
       <p:pic>
         <p:nvPicPr>
-          <p:cNvPr id="4" name="Picture 3"/>
+          <p:cNvPr id="4" name="Content Placeholder 3"/>
           <p:cNvPicPr>
             <a:picLocks noChangeAspect="1"/>
           </p:cNvPicPr>
-          <p:nvPr/>
+          <p:nvPr>
+            <p:ph idx="1"/>
+          </p:nvPr>
         </p:nvPicPr>
         <p:blipFill>
-          <a:blip r:embed="rId1"/>
-          <a:stretch>
-            <a:fillRect/>
-          </a:stretch>
-        </p:blipFill>
-        <p:spPr>
-          <a:xfrm>
-            <a:off x="540385" y="1353820"/>
-            <a:ext cx="10344150" cy="609600"/>
-          </a:xfrm>
-          <a:prstGeom prst="rect">
-            <a:avLst/>
-          </a:prstGeom>
-        </p:spPr>
-      </p:pic>
-      <p:pic>
-        <p:nvPicPr>
-          <p:cNvPr id="5" name="Picture 4"/>
-          <p:cNvPicPr>
-            <a:picLocks noChangeAspect="1"/>
-          </p:cNvPicPr>
-          <p:nvPr/>
-        </p:nvPicPr>
-        <p:blipFill>
-          <a:blip r:embed="rId2">
+          <a:blip r:embed="rId1">
             <a:lum bright="-12000" contrast="24000"/>
           </a:blip>
           <a:stretch>
@@ -5735,14 +6135,43 @@
         </p:blipFill>
         <p:spPr>
           <a:xfrm>
-            <a:off x="426085" y="2042160"/>
-            <a:ext cx="10572750" cy="2009775"/>
+            <a:off x="647700" y="1964690"/>
+            <a:ext cx="10325100" cy="4276725"/>
           </a:xfrm>
           <a:prstGeom prst="rect">
             <a:avLst/>
           </a:prstGeom>
         </p:spPr>
       </p:pic>
+      <p:sp>
+        <p:nvSpPr>
+          <p:cNvPr id="5" name="Text Box 4"/>
+          <p:cNvSpPr txBox="1"/>
+          <p:nvPr/>
+        </p:nvSpPr>
+        <p:spPr>
+          <a:xfrm>
+            <a:off x="579755" y="1356360"/>
+            <a:ext cx="4747260" cy="368300"/>
+          </a:xfrm>
+          <a:prstGeom prst="rect">
+            <a:avLst/>
+          </a:prstGeom>
+          <a:noFill/>
+        </p:spPr>
+        <p:txBody>
+          <a:bodyPr wrap="square" rtlCol="0">
+            <a:spAutoFit/>
+          </a:bodyPr>
+          <a:p>
+            <a:r>
+              <a:rPr lang="en-US"/>
+              <a:t>Rule with one parameter</a:t>
+            </a:r>
+            <a:endParaRPr lang="en-US"/>
+          </a:p>
+        </p:txBody>
+      </p:sp>
     </p:spTree>
   </p:cSld>
   <p:clrMapOvr>
@@ -5776,24 +6205,12 @@
           <a:bodyPr/>
           <a:p>
             <a:r>
-              <a:rPr lang="en-US" altLang="en-US">
-                <a:sym typeface="+mn-ea"/>
-              </a:rPr>
-              <a:t>C</a:t>
-            </a:r>
-            <a:r>
-              <a:rPr lang="en-US">
-                <a:sym typeface="+mn-ea"/>
-              </a:rPr>
-              <a:t>onsistency </a:t>
-            </a:r>
-            <a:r>
-              <a:rPr lang="en-US" altLang="en-US">
-                <a:sym typeface="+mn-ea"/>
-              </a:rPr>
-              <a:t>Lemma</a:t>
-            </a:r>
-            <a:endParaRPr lang="en-US" altLang="en-US"/>
+              <a:rPr lang="en-US">
+                <a:sym typeface="+mn-ea"/>
+              </a:rPr>
+              <a:t>Concretize the guarded command</a:t>
+            </a:r>
+            <a:endParaRPr lang="en-US"/>
           </a:p>
         </p:txBody>
       </p:sp>
@@ -5815,14 +6232,43 @@
         </p:blipFill>
         <p:spPr>
           <a:xfrm>
-            <a:off x="720090" y="2385060"/>
-            <a:ext cx="9563100" cy="2247900"/>
+            <a:off x="1334770" y="1825625"/>
+            <a:ext cx="9140825" cy="4351655"/>
           </a:xfrm>
           <a:prstGeom prst="rect">
             <a:avLst/>
           </a:prstGeom>
         </p:spPr>
       </p:pic>
+      <p:sp>
+        <p:nvSpPr>
+          <p:cNvPr id="5" name="Text Box 4"/>
+          <p:cNvSpPr txBox="1"/>
+          <p:nvPr/>
+        </p:nvSpPr>
+        <p:spPr>
+          <a:xfrm>
+            <a:off x="647700" y="1356360"/>
+            <a:ext cx="4747260" cy="368300"/>
+          </a:xfrm>
+          <a:prstGeom prst="rect">
+            <a:avLst/>
+          </a:prstGeom>
+          <a:noFill/>
+        </p:spPr>
+        <p:txBody>
+          <a:bodyPr wrap="square" rtlCol="0">
+            <a:spAutoFit/>
+          </a:bodyPr>
+          <a:p>
+            <a:r>
+              <a:rPr lang="en-US"/>
+              <a:t>Rule with two parameters</a:t>
+            </a:r>
+            <a:endParaRPr lang="en-US"/>
+          </a:p>
+        </p:txBody>
+      </p:sp>
     </p:spTree>
   </p:cSld>
   <p:clrMapOvr>

--- a/notes9-paraverifier.pptx
+++ b/notes9-paraverifier.pptx
@@ -5,10 +5,10 @@
     <p:sldMasterId id="2147483648" r:id="rId1"/>
   </p:sldMasterIdLst>
   <p:notesMasterIdLst>
-    <p:notesMasterId r:id="rId20"/>
+    <p:notesMasterId r:id="rId21"/>
   </p:notesMasterIdLst>
   <p:handoutMasterIdLst>
-    <p:handoutMasterId r:id="rId21"/>
+    <p:handoutMasterId r:id="rId22"/>
   </p:handoutMasterIdLst>
   <p:sldIdLst>
     <p:sldId id="256" r:id="rId3"/>
@@ -27,7 +27,8 @@
     <p:sldId id="289" r:id="rId16"/>
     <p:sldId id="293" r:id="rId17"/>
     <p:sldId id="294" r:id="rId18"/>
-    <p:sldId id="295" r:id="rId19"/>
+    <p:sldId id="297" r:id="rId19"/>
+    <p:sldId id="295" r:id="rId20"/>
   </p:sldIdLst>
   <p:sldSz cx="12192000" cy="6858000"/>
   <p:notesSz cx="7103745" cy="10234295"/>
@@ -5039,6 +5040,72 @@
 </file>
 
 <file path=ppt/slides/slide17.xml><?xml version="1.0" encoding="utf-8"?>
+<p:sld xmlns:a="http://schemas.openxmlformats.org/drawingml/2006/main" xmlns:r="http://schemas.openxmlformats.org/officeDocument/2006/relationships" xmlns:p="http://schemas.openxmlformats.org/presentationml/2006/main">
+  <p:cSld>
+    <p:spTree>
+      <p:nvGrpSpPr>
+        <p:cNvPr id="1" name=""/>
+        <p:cNvGrpSpPr/>
+        <p:nvPr/>
+      </p:nvGrpSpPr>
+      <p:grpSpPr/>
+      <p:sp>
+        <p:nvSpPr>
+          <p:cNvPr id="2" name="Title 1"/>
+          <p:cNvSpPr>
+            <a:spLocks noGrp="1"/>
+          </p:cNvSpPr>
+          <p:nvPr>
+            <p:ph type="title"/>
+          </p:nvPr>
+        </p:nvSpPr>
+        <p:spPr/>
+        <p:txBody>
+          <a:bodyPr/>
+          <a:p>
+            <a:r>
+              <a:rPr lang="en-US"/>
+              <a:t>Implementation</a:t>
+            </a:r>
+            <a:endParaRPr lang="en-US"/>
+          </a:p>
+        </p:txBody>
+      </p:sp>
+      <p:pic>
+        <p:nvPicPr>
+          <p:cNvPr id="6" name="Content Placeholder 5"/>
+          <p:cNvPicPr>
+            <a:picLocks noChangeAspect="1"/>
+          </p:cNvPicPr>
+          <p:nvPr>
+            <p:ph idx="1"/>
+          </p:nvPr>
+        </p:nvPicPr>
+        <p:blipFill>
+          <a:blip r:embed="rId1"/>
+          <a:stretch>
+            <a:fillRect/>
+          </a:stretch>
+        </p:blipFill>
+        <p:spPr>
+          <a:xfrm>
+            <a:off x="3669665" y="0"/>
+            <a:ext cx="7772400" cy="6858000"/>
+          </a:xfrm>
+          <a:prstGeom prst="rect">
+            <a:avLst/>
+          </a:prstGeom>
+        </p:spPr>
+      </p:pic>
+    </p:spTree>
+  </p:cSld>
+  <p:clrMapOvr>
+    <a:masterClrMapping/>
+  </p:clrMapOvr>
+</p:sld>
+</file>
+
+<file path=ppt/slides/slide18.xml><?xml version="1.0" encoding="utf-8"?>
 <p:sld xmlns:a="http://schemas.openxmlformats.org/drawingml/2006/main" xmlns:r="http://schemas.openxmlformats.org/officeDocument/2006/relationships" xmlns:p="http://schemas.openxmlformats.org/presentationml/2006/main">
   <p:cSld>
     <p:spTree>
